--- a/PrototypePresentation/Prototype_Presentation.pptx
+++ b/PrototypePresentation/Prototype_Presentation.pptx
@@ -117,6 +117,3664 @@
     </p:ext>
   </p:extLst>
 </p:presentation>
+</file>
+
+<file path=ppt/diagrams/colors1.xml><?xml version="1.0" encoding="utf-8"?>
+<dgm:colorsDef xmlns:dgm="http://schemas.openxmlformats.org/drawingml/2006/diagram" xmlns:a="http://schemas.openxmlformats.org/drawingml/2006/main" uniqueId="urn:microsoft.com/office/officeart/2018/5/colors/Iconchunking_neutralbg_colorful2">
+  <dgm:title val=""/>
+  <dgm:desc val=""/>
+  <dgm:catLst>
+    <dgm:cat type="colorful" pri="10200"/>
+  </dgm:catLst>
+  <dgm:styleLbl name="node0">
+    <dgm:fillClrLst meth="repeat">
+      <a:schemeClr val="accent1"/>
+    </dgm:fillClrLst>
+    <dgm:linClrLst meth="repeat">
+      <a:schemeClr val="lt1"/>
+    </dgm:linClrLst>
+    <dgm:effectClrLst/>
+    <dgm:txLinClrLst/>
+    <dgm:txFillClrLst/>
+    <dgm:txEffectClrLst/>
+  </dgm:styleLbl>
+  <dgm:styleLbl name="node1">
+    <dgm:fillClrLst>
+      <a:schemeClr val="accent2"/>
+      <a:schemeClr val="accent3"/>
+    </dgm:fillClrLst>
+    <dgm:linClrLst meth="repeat">
+      <a:schemeClr val="lt1">
+        <a:alpha val="0"/>
+      </a:schemeClr>
+    </dgm:linClrLst>
+    <dgm:effectClrLst/>
+    <dgm:txLinClrLst/>
+    <dgm:txFillClrLst/>
+    <dgm:txEffectClrLst/>
+  </dgm:styleLbl>
+  <dgm:styleLbl name="alignNode1">
+    <dgm:fillClrLst>
+      <a:schemeClr val="accent2"/>
+      <a:schemeClr val="accent3"/>
+    </dgm:fillClrLst>
+    <dgm:linClrLst>
+      <a:schemeClr val="accent2"/>
+      <a:schemeClr val="accent3"/>
+    </dgm:linClrLst>
+    <dgm:effectClrLst/>
+    <dgm:txLinClrLst/>
+    <dgm:txFillClrLst/>
+    <dgm:txEffectClrLst/>
+  </dgm:styleLbl>
+  <dgm:styleLbl name="lnNode1">
+    <dgm:fillClrLst>
+      <a:schemeClr val="accent2"/>
+      <a:schemeClr val="accent3"/>
+    </dgm:fillClrLst>
+    <dgm:linClrLst meth="repeat">
+      <a:schemeClr val="lt1"/>
+    </dgm:linClrLst>
+    <dgm:effectClrLst/>
+    <dgm:txLinClrLst/>
+    <dgm:txFillClrLst/>
+    <dgm:txEffectClrLst/>
+  </dgm:styleLbl>
+  <dgm:styleLbl name="vennNode1">
+    <dgm:fillClrLst>
+      <a:schemeClr val="accent2">
+        <a:alpha val="50000"/>
+      </a:schemeClr>
+      <a:schemeClr val="accent3">
+        <a:alpha val="50000"/>
+      </a:schemeClr>
+    </dgm:fillClrLst>
+    <dgm:linClrLst meth="repeat">
+      <a:schemeClr val="lt1"/>
+    </dgm:linClrLst>
+    <dgm:effectClrLst/>
+    <dgm:txLinClrLst/>
+    <dgm:txFillClrLst/>
+    <dgm:txEffectClrLst/>
+  </dgm:styleLbl>
+  <dgm:styleLbl name="node2">
+    <dgm:fillClrLst>
+      <a:schemeClr val="accent3"/>
+    </dgm:fillClrLst>
+    <dgm:linClrLst meth="repeat">
+      <a:schemeClr val="lt1"/>
+    </dgm:linClrLst>
+    <dgm:effectClrLst/>
+    <dgm:txLinClrLst/>
+    <dgm:txFillClrLst/>
+    <dgm:txEffectClrLst/>
+  </dgm:styleLbl>
+  <dgm:styleLbl name="node3">
+    <dgm:fillClrLst>
+      <a:schemeClr val="accent4"/>
+    </dgm:fillClrLst>
+    <dgm:linClrLst meth="repeat">
+      <a:schemeClr val="lt1"/>
+    </dgm:linClrLst>
+    <dgm:effectClrLst/>
+    <dgm:txLinClrLst/>
+    <dgm:txFillClrLst/>
+    <dgm:txEffectClrLst/>
+  </dgm:styleLbl>
+  <dgm:styleLbl name="node4">
+    <dgm:fillClrLst>
+      <a:schemeClr val="accent5"/>
+    </dgm:fillClrLst>
+    <dgm:linClrLst meth="repeat">
+      <a:schemeClr val="lt1"/>
+    </dgm:linClrLst>
+    <dgm:effectClrLst/>
+    <dgm:txLinClrLst/>
+    <dgm:txFillClrLst/>
+    <dgm:txEffectClrLst/>
+  </dgm:styleLbl>
+  <dgm:styleLbl name="fgImgPlace1">
+    <dgm:fillClrLst>
+      <a:schemeClr val="accent2">
+        <a:tint val="50000"/>
+      </a:schemeClr>
+      <a:schemeClr val="accent3">
+        <a:tint val="50000"/>
+      </a:schemeClr>
+    </dgm:fillClrLst>
+    <dgm:linClrLst meth="repeat">
+      <a:schemeClr val="lt1"/>
+    </dgm:linClrLst>
+    <dgm:effectClrLst/>
+    <dgm:txLinClrLst/>
+    <dgm:txFillClrLst meth="repeat">
+      <a:schemeClr val="lt1"/>
+    </dgm:txFillClrLst>
+    <dgm:txEffectClrLst/>
+  </dgm:styleLbl>
+  <dgm:styleLbl name="alignImgPlace1">
+    <dgm:fillClrLst>
+      <a:schemeClr val="accent2">
+        <a:tint val="50000"/>
+      </a:schemeClr>
+      <a:schemeClr val="accent3">
+        <a:tint val="20000"/>
+      </a:schemeClr>
+    </dgm:fillClrLst>
+    <dgm:linClrLst meth="repeat">
+      <a:schemeClr val="lt1"/>
+    </dgm:linClrLst>
+    <dgm:effectClrLst/>
+    <dgm:txLinClrLst/>
+    <dgm:txFillClrLst meth="repeat">
+      <a:schemeClr val="lt1"/>
+    </dgm:txFillClrLst>
+    <dgm:txEffectClrLst/>
+  </dgm:styleLbl>
+  <dgm:styleLbl name="bgImgPlace1">
+    <dgm:fillClrLst>
+      <a:schemeClr val="accent2">
+        <a:tint val="50000"/>
+      </a:schemeClr>
+      <a:schemeClr val="accent3">
+        <a:tint val="20000"/>
+      </a:schemeClr>
+    </dgm:fillClrLst>
+    <dgm:linClrLst meth="repeat">
+      <a:schemeClr val="lt1"/>
+    </dgm:linClrLst>
+    <dgm:effectClrLst/>
+    <dgm:txLinClrLst/>
+    <dgm:txFillClrLst meth="repeat">
+      <a:schemeClr val="lt1"/>
+    </dgm:txFillClrLst>
+    <dgm:txEffectClrLst/>
+  </dgm:styleLbl>
+  <dgm:styleLbl name="sibTrans2D1">
+    <dgm:fillClrLst>
+      <a:schemeClr val="accent2"/>
+      <a:schemeClr val="accent3"/>
+    </dgm:fillClrLst>
+    <dgm:linClrLst meth="repeat">
+      <a:schemeClr val="lt1"/>
+    </dgm:linClrLst>
+    <dgm:effectClrLst/>
+    <dgm:txLinClrLst/>
+    <dgm:txFillClrLst/>
+    <dgm:txEffectClrLst/>
+  </dgm:styleLbl>
+  <dgm:styleLbl name="fgSibTrans2D1">
+    <dgm:fillClrLst>
+      <a:schemeClr val="accent2"/>
+      <a:schemeClr val="accent3"/>
+    </dgm:fillClrLst>
+    <dgm:linClrLst meth="repeat">
+      <a:schemeClr val="lt1"/>
+    </dgm:linClrLst>
+    <dgm:effectClrLst/>
+    <dgm:txLinClrLst/>
+    <dgm:txFillClrLst meth="repeat">
+      <a:schemeClr val="lt1"/>
+    </dgm:txFillClrLst>
+    <dgm:txEffectClrLst/>
+  </dgm:styleLbl>
+  <dgm:styleLbl name="bgSibTrans2D1">
+    <dgm:fillClrLst>
+      <a:schemeClr val="accent2"/>
+      <a:schemeClr val="accent3"/>
+    </dgm:fillClrLst>
+    <dgm:linClrLst meth="repeat">
+      <a:schemeClr val="lt1"/>
+    </dgm:linClrLst>
+    <dgm:effectClrLst/>
+    <dgm:txLinClrLst/>
+    <dgm:txFillClrLst meth="repeat">
+      <a:schemeClr val="lt1"/>
+    </dgm:txFillClrLst>
+    <dgm:txEffectClrLst/>
+  </dgm:styleLbl>
+  <dgm:styleLbl name="sibTrans1D1">
+    <dgm:fillClrLst/>
+    <dgm:linClrLst>
+      <a:schemeClr val="accent2"/>
+      <a:schemeClr val="accent3"/>
+    </dgm:linClrLst>
+    <dgm:effectClrLst/>
+    <dgm:txLinClrLst/>
+    <dgm:txFillClrLst meth="repeat">
+      <a:schemeClr val="tx1"/>
+    </dgm:txFillClrLst>
+    <dgm:txEffectClrLst/>
+  </dgm:styleLbl>
+  <dgm:styleLbl name="callout">
+    <dgm:fillClrLst meth="repeat">
+      <a:schemeClr val="accent2"/>
+    </dgm:fillClrLst>
+    <dgm:linClrLst meth="repeat">
+      <a:schemeClr val="accent2">
+        <a:tint val="50000"/>
+      </a:schemeClr>
+    </dgm:linClrLst>
+    <dgm:effectClrLst/>
+    <dgm:txLinClrLst/>
+    <dgm:txFillClrLst meth="repeat">
+      <a:schemeClr val="tx1"/>
+    </dgm:txFillClrLst>
+    <dgm:txEffectClrLst/>
+  </dgm:styleLbl>
+  <dgm:styleLbl name="asst0">
+    <dgm:fillClrLst meth="repeat">
+      <a:schemeClr val="accent2"/>
+    </dgm:fillClrLst>
+    <dgm:linClrLst meth="repeat">
+      <a:schemeClr val="lt1">
+        <a:shade val="80000"/>
+      </a:schemeClr>
+    </dgm:linClrLst>
+    <dgm:effectClrLst/>
+    <dgm:txLinClrLst/>
+    <dgm:txFillClrLst/>
+    <dgm:txEffectClrLst/>
+  </dgm:styleLbl>
+  <dgm:styleLbl name="asst1">
+    <dgm:fillClrLst meth="repeat">
+      <a:schemeClr val="accent3"/>
+    </dgm:fillClrLst>
+    <dgm:linClrLst meth="repeat">
+      <a:schemeClr val="lt1">
+        <a:shade val="80000"/>
+      </a:schemeClr>
+    </dgm:linClrLst>
+    <dgm:effectClrLst/>
+    <dgm:txLinClrLst/>
+    <dgm:txFillClrLst/>
+    <dgm:txEffectClrLst/>
+  </dgm:styleLbl>
+  <dgm:styleLbl name="asst2">
+    <dgm:fillClrLst>
+      <a:schemeClr val="accent4"/>
+    </dgm:fillClrLst>
+    <dgm:linClrLst meth="repeat">
+      <a:schemeClr val="lt1"/>
+    </dgm:linClrLst>
+    <dgm:effectClrLst/>
+    <dgm:txLinClrLst/>
+    <dgm:txFillClrLst/>
+    <dgm:txEffectClrLst/>
+  </dgm:styleLbl>
+  <dgm:styleLbl name="asst3">
+    <dgm:fillClrLst>
+      <a:schemeClr val="accent5"/>
+    </dgm:fillClrLst>
+    <dgm:linClrLst meth="repeat">
+      <a:schemeClr val="lt1"/>
+    </dgm:linClrLst>
+    <dgm:effectClrLst/>
+    <dgm:txLinClrLst/>
+    <dgm:txFillClrLst/>
+    <dgm:txEffectClrLst/>
+  </dgm:styleLbl>
+  <dgm:styleLbl name="asst4">
+    <dgm:fillClrLst>
+      <a:schemeClr val="accent6"/>
+    </dgm:fillClrLst>
+    <dgm:linClrLst meth="repeat">
+      <a:schemeClr val="lt1"/>
+    </dgm:linClrLst>
+    <dgm:effectClrLst/>
+    <dgm:txLinClrLst/>
+    <dgm:txFillClrLst/>
+    <dgm:txEffectClrLst/>
+  </dgm:styleLbl>
+  <dgm:styleLbl name="parChTrans2D1">
+    <dgm:fillClrLst meth="repeat">
+      <a:schemeClr val="accent2"/>
+    </dgm:fillClrLst>
+    <dgm:linClrLst meth="repeat">
+      <a:schemeClr val="lt1"/>
+    </dgm:linClrLst>
+    <dgm:effectClrLst/>
+    <dgm:txLinClrLst/>
+    <dgm:txFillClrLst meth="repeat">
+      <a:schemeClr val="lt1"/>
+    </dgm:txFillClrLst>
+    <dgm:txEffectClrLst/>
+  </dgm:styleLbl>
+  <dgm:styleLbl name="parChTrans2D2">
+    <dgm:fillClrLst meth="repeat">
+      <a:schemeClr val="accent3"/>
+    </dgm:fillClrLst>
+    <dgm:linClrLst meth="repeat">
+      <a:schemeClr val="lt1"/>
+    </dgm:linClrLst>
+    <dgm:effectClrLst/>
+    <dgm:txLinClrLst/>
+    <dgm:txFillClrLst/>
+    <dgm:txEffectClrLst/>
+  </dgm:styleLbl>
+  <dgm:styleLbl name="parChTrans2D3">
+    <dgm:fillClrLst meth="repeat">
+      <a:schemeClr val="accent4"/>
+    </dgm:fillClrLst>
+    <dgm:linClrLst meth="repeat">
+      <a:schemeClr val="lt1"/>
+    </dgm:linClrLst>
+    <dgm:effectClrLst/>
+    <dgm:txLinClrLst/>
+    <dgm:txFillClrLst/>
+    <dgm:txEffectClrLst/>
+  </dgm:styleLbl>
+  <dgm:styleLbl name="parChTrans2D4">
+    <dgm:fillClrLst meth="repeat">
+      <a:schemeClr val="accent5"/>
+    </dgm:fillClrLst>
+    <dgm:linClrLst meth="repeat">
+      <a:schemeClr val="lt1"/>
+    </dgm:linClrLst>
+    <dgm:effectClrLst/>
+    <dgm:txLinClrLst/>
+    <dgm:txFillClrLst meth="repeat">
+      <a:schemeClr val="lt1"/>
+    </dgm:txFillClrLst>
+    <dgm:txEffectClrLst/>
+  </dgm:styleLbl>
+  <dgm:styleLbl name="parChTrans1D1">
+    <dgm:fillClrLst meth="repeat">
+      <a:schemeClr val="accent2"/>
+    </dgm:fillClrLst>
+    <dgm:linClrLst meth="repeat">
+      <a:schemeClr val="accent2"/>
+    </dgm:linClrLst>
+    <dgm:effectClrLst/>
+    <dgm:txLinClrLst/>
+    <dgm:txFillClrLst meth="repeat">
+      <a:schemeClr val="tx1"/>
+    </dgm:txFillClrLst>
+    <dgm:txEffectClrLst/>
+  </dgm:styleLbl>
+  <dgm:styleLbl name="parChTrans1D2">
+    <dgm:fillClrLst meth="repeat">
+      <a:schemeClr val="accent2">
+        <a:tint val="90000"/>
+      </a:schemeClr>
+    </dgm:fillClrLst>
+    <dgm:linClrLst meth="repeat">
+      <a:schemeClr val="accent3"/>
+    </dgm:linClrLst>
+    <dgm:effectClrLst/>
+    <dgm:txLinClrLst/>
+    <dgm:txFillClrLst meth="repeat">
+      <a:schemeClr val="tx1"/>
+    </dgm:txFillClrLst>
+    <dgm:txEffectClrLst/>
+  </dgm:styleLbl>
+  <dgm:styleLbl name="parChTrans1D3">
+    <dgm:fillClrLst meth="repeat">
+      <a:schemeClr val="accent2">
+        <a:tint val="70000"/>
+      </a:schemeClr>
+    </dgm:fillClrLst>
+    <dgm:linClrLst meth="repeat">
+      <a:schemeClr val="accent4"/>
+    </dgm:linClrLst>
+    <dgm:effectClrLst/>
+    <dgm:txLinClrLst/>
+    <dgm:txFillClrLst meth="repeat">
+      <a:schemeClr val="tx1"/>
+    </dgm:txFillClrLst>
+    <dgm:txEffectClrLst/>
+  </dgm:styleLbl>
+  <dgm:styleLbl name="parChTrans1D4">
+    <dgm:fillClrLst meth="repeat">
+      <a:schemeClr val="accent2">
+        <a:tint val="50000"/>
+      </a:schemeClr>
+    </dgm:fillClrLst>
+    <dgm:linClrLst meth="repeat">
+      <a:schemeClr val="accent5"/>
+    </dgm:linClrLst>
+    <dgm:effectClrLst/>
+    <dgm:txLinClrLst/>
+    <dgm:txFillClrLst meth="repeat">
+      <a:schemeClr val="tx1"/>
+    </dgm:txFillClrLst>
+    <dgm:txEffectClrLst/>
+  </dgm:styleLbl>
+  <dgm:styleLbl name="fgAcc1">
+    <dgm:fillClrLst meth="repeat">
+      <a:schemeClr val="lt1">
+        <a:alpha val="90000"/>
+      </a:schemeClr>
+    </dgm:fillClrLst>
+    <dgm:linClrLst>
+      <a:schemeClr val="accent2"/>
+      <a:schemeClr val="accent3"/>
+    </dgm:linClrLst>
+    <dgm:effectClrLst/>
+    <dgm:txLinClrLst/>
+    <dgm:txFillClrLst meth="repeat">
+      <a:schemeClr val="dk1"/>
+    </dgm:txFillClrLst>
+    <dgm:txEffectClrLst/>
+  </dgm:styleLbl>
+  <dgm:styleLbl name="conFgAcc1">
+    <dgm:fillClrLst meth="repeat">
+      <a:schemeClr val="lt1">
+        <a:alpha val="90000"/>
+      </a:schemeClr>
+    </dgm:fillClrLst>
+    <dgm:linClrLst>
+      <a:schemeClr val="accent2"/>
+      <a:schemeClr val="accent3"/>
+    </dgm:linClrLst>
+    <dgm:effectClrLst/>
+    <dgm:txLinClrLst/>
+    <dgm:txFillClrLst meth="repeat">
+      <a:schemeClr val="dk1"/>
+    </dgm:txFillClrLst>
+    <dgm:txEffectClrLst/>
+  </dgm:styleLbl>
+  <dgm:styleLbl name="alignAcc1">
+    <dgm:fillClrLst meth="repeat">
+      <a:schemeClr val="lt1">
+        <a:alpha val="90000"/>
+      </a:schemeClr>
+    </dgm:fillClrLst>
+    <dgm:linClrLst>
+      <a:schemeClr val="accent2"/>
+      <a:schemeClr val="accent3"/>
+    </dgm:linClrLst>
+    <dgm:effectClrLst/>
+    <dgm:txLinClrLst/>
+    <dgm:txFillClrLst meth="repeat">
+      <a:schemeClr val="dk1"/>
+    </dgm:txFillClrLst>
+    <dgm:txEffectClrLst/>
+  </dgm:styleLbl>
+  <dgm:styleLbl name="trAlignAcc1">
+    <dgm:fillClrLst meth="repeat">
+      <a:schemeClr val="lt1">
+        <a:alpha val="40000"/>
+      </a:schemeClr>
+    </dgm:fillClrLst>
+    <dgm:linClrLst meth="repeat">
+      <a:schemeClr val="accent2"/>
+    </dgm:linClrLst>
+    <dgm:effectClrLst/>
+    <dgm:txLinClrLst/>
+    <dgm:txFillClrLst meth="repeat">
+      <a:schemeClr val="dk1"/>
+    </dgm:txFillClrLst>
+    <dgm:txEffectClrLst/>
+  </dgm:styleLbl>
+  <dgm:styleLbl name="bgAcc1">
+    <dgm:fillClrLst meth="repeat">
+      <a:schemeClr val="lt1">
+        <a:alpha val="90000"/>
+      </a:schemeClr>
+    </dgm:fillClrLst>
+    <dgm:linClrLst>
+      <a:schemeClr val="accent2"/>
+      <a:schemeClr val="accent3"/>
+    </dgm:linClrLst>
+    <dgm:effectClrLst/>
+    <dgm:txLinClrLst/>
+    <dgm:txFillClrLst meth="repeat">
+      <a:schemeClr val="dk1"/>
+    </dgm:txFillClrLst>
+    <dgm:txEffectClrLst/>
+  </dgm:styleLbl>
+  <dgm:styleLbl name="solidFgAcc1">
+    <dgm:fillClrLst meth="repeat">
+      <a:schemeClr val="lt1"/>
+    </dgm:fillClrLst>
+    <dgm:linClrLst>
+      <a:schemeClr val="accent2"/>
+      <a:schemeClr val="accent3"/>
+    </dgm:linClrLst>
+    <dgm:effectClrLst/>
+    <dgm:txLinClrLst/>
+    <dgm:txFillClrLst meth="repeat">
+      <a:schemeClr val="dk1"/>
+    </dgm:txFillClrLst>
+    <dgm:txEffectClrLst/>
+  </dgm:styleLbl>
+  <dgm:styleLbl name="solidAlignAcc1">
+    <dgm:fillClrLst meth="repeat">
+      <a:schemeClr val="lt1"/>
+    </dgm:fillClrLst>
+    <dgm:linClrLst>
+      <a:schemeClr val="accent2"/>
+      <a:schemeClr val="accent3"/>
+    </dgm:linClrLst>
+    <dgm:effectClrLst/>
+    <dgm:txLinClrLst/>
+    <dgm:txFillClrLst meth="repeat">
+      <a:schemeClr val="dk1"/>
+    </dgm:txFillClrLst>
+    <dgm:txEffectClrLst/>
+  </dgm:styleLbl>
+  <dgm:styleLbl name="solidBgAcc1">
+    <dgm:fillClrLst meth="repeat">
+      <a:schemeClr val="lt1"/>
+    </dgm:fillClrLst>
+    <dgm:linClrLst>
+      <a:schemeClr val="accent2"/>
+      <a:schemeClr val="accent3"/>
+    </dgm:linClrLst>
+    <dgm:effectClrLst/>
+    <dgm:txLinClrLst/>
+    <dgm:txFillClrLst meth="repeat">
+      <a:schemeClr val="dk1"/>
+    </dgm:txFillClrLst>
+    <dgm:txEffectClrLst/>
+  </dgm:styleLbl>
+  <dgm:styleLbl name="fgAccFollowNode1">
+    <dgm:fillClrLst>
+      <a:schemeClr val="accent2">
+        <a:tint val="40000"/>
+        <a:alpha val="90000"/>
+      </a:schemeClr>
+      <a:schemeClr val="accent3">
+        <a:tint val="40000"/>
+        <a:alpha val="90000"/>
+      </a:schemeClr>
+    </dgm:fillClrLst>
+    <dgm:linClrLst>
+      <a:schemeClr val="accent2">
+        <a:tint val="40000"/>
+        <a:alpha val="90000"/>
+      </a:schemeClr>
+      <a:schemeClr val="accent3">
+        <a:tint val="40000"/>
+        <a:alpha val="90000"/>
+      </a:schemeClr>
+    </dgm:linClrLst>
+    <dgm:effectClrLst/>
+    <dgm:txLinClrLst/>
+    <dgm:txFillClrLst meth="repeat">
+      <a:schemeClr val="dk1"/>
+    </dgm:txFillClrLst>
+    <dgm:txEffectClrLst/>
+  </dgm:styleLbl>
+  <dgm:styleLbl name="alignAccFollowNode1">
+    <dgm:fillClrLst>
+      <a:schemeClr val="accent2">
+        <a:tint val="40000"/>
+        <a:alpha val="90000"/>
+      </a:schemeClr>
+      <a:schemeClr val="accent3">
+        <a:tint val="40000"/>
+        <a:alpha val="90000"/>
+      </a:schemeClr>
+    </dgm:fillClrLst>
+    <dgm:linClrLst>
+      <a:schemeClr val="accent2">
+        <a:tint val="40000"/>
+        <a:alpha val="90000"/>
+      </a:schemeClr>
+      <a:schemeClr val="accent3">
+        <a:tint val="40000"/>
+        <a:alpha val="90000"/>
+      </a:schemeClr>
+    </dgm:linClrLst>
+    <dgm:effectClrLst/>
+    <dgm:txLinClrLst/>
+    <dgm:txFillClrLst meth="repeat">
+      <a:schemeClr val="dk1"/>
+    </dgm:txFillClrLst>
+    <dgm:txEffectClrLst/>
+  </dgm:styleLbl>
+  <dgm:styleLbl name="bgAccFollowNode1">
+    <dgm:fillClrLst>
+      <a:schemeClr val="accent2">
+        <a:tint val="40000"/>
+        <a:alpha val="90000"/>
+      </a:schemeClr>
+      <a:schemeClr val="accent3">
+        <a:tint val="40000"/>
+        <a:alpha val="90000"/>
+      </a:schemeClr>
+    </dgm:fillClrLst>
+    <dgm:linClrLst>
+      <a:schemeClr val="accent2">
+        <a:tint val="40000"/>
+        <a:alpha val="90000"/>
+      </a:schemeClr>
+      <a:schemeClr val="accent3">
+        <a:tint val="40000"/>
+        <a:alpha val="90000"/>
+      </a:schemeClr>
+    </dgm:linClrLst>
+    <dgm:effectClrLst/>
+    <dgm:txLinClrLst/>
+    <dgm:txFillClrLst meth="repeat">
+      <a:schemeClr val="dk1"/>
+    </dgm:txFillClrLst>
+    <dgm:txEffectClrLst/>
+  </dgm:styleLbl>
+  <dgm:styleLbl name="fgAcc0">
+    <dgm:fillClrLst meth="repeat">
+      <a:schemeClr val="lt1">
+        <a:alpha val="90000"/>
+      </a:schemeClr>
+    </dgm:fillClrLst>
+    <dgm:linClrLst>
+      <a:schemeClr val="accent1"/>
+    </dgm:linClrLst>
+    <dgm:effectClrLst/>
+    <dgm:txLinClrLst/>
+    <dgm:txFillClrLst meth="repeat">
+      <a:schemeClr val="dk1"/>
+    </dgm:txFillClrLst>
+    <dgm:txEffectClrLst/>
+  </dgm:styleLbl>
+  <dgm:styleLbl name="fgAcc2">
+    <dgm:fillClrLst meth="repeat">
+      <a:schemeClr val="lt1">
+        <a:alpha val="90000"/>
+      </a:schemeClr>
+    </dgm:fillClrLst>
+    <dgm:linClrLst>
+      <a:schemeClr val="accent3"/>
+    </dgm:linClrLst>
+    <dgm:effectClrLst/>
+    <dgm:txLinClrLst/>
+    <dgm:txFillClrLst meth="repeat">
+      <a:schemeClr val="dk1"/>
+    </dgm:txFillClrLst>
+    <dgm:txEffectClrLst/>
+  </dgm:styleLbl>
+  <dgm:styleLbl name="fgAcc3">
+    <dgm:fillClrLst meth="repeat">
+      <a:schemeClr val="lt1">
+        <a:alpha val="90000"/>
+      </a:schemeClr>
+    </dgm:fillClrLst>
+    <dgm:linClrLst>
+      <a:schemeClr val="accent4"/>
+    </dgm:linClrLst>
+    <dgm:effectClrLst/>
+    <dgm:txLinClrLst/>
+    <dgm:txFillClrLst meth="repeat">
+      <a:schemeClr val="dk1"/>
+    </dgm:txFillClrLst>
+    <dgm:txEffectClrLst/>
+  </dgm:styleLbl>
+  <dgm:styleLbl name="fgAcc4">
+    <dgm:fillClrLst meth="repeat">
+      <a:schemeClr val="lt1">
+        <a:alpha val="90000"/>
+      </a:schemeClr>
+    </dgm:fillClrLst>
+    <dgm:linClrLst>
+      <a:schemeClr val="accent5"/>
+    </dgm:linClrLst>
+    <dgm:effectClrLst/>
+    <dgm:txLinClrLst/>
+    <dgm:txFillClrLst meth="repeat">
+      <a:schemeClr val="dk1"/>
+    </dgm:txFillClrLst>
+    <dgm:txEffectClrLst/>
+  </dgm:styleLbl>
+  <dgm:styleLbl name="bgShp">
+    <dgm:fillClrLst meth="repeat">
+      <a:schemeClr val="bg1">
+        <a:lumMod val="95000"/>
+      </a:schemeClr>
+    </dgm:fillClrLst>
+    <dgm:linClrLst meth="repeat">
+      <a:schemeClr val="dk1"/>
+    </dgm:linClrLst>
+    <dgm:effectClrLst/>
+    <dgm:txLinClrLst/>
+    <dgm:txFillClrLst meth="repeat">
+      <a:schemeClr val="dk1"/>
+    </dgm:txFillClrLst>
+    <dgm:txEffectClrLst/>
+  </dgm:styleLbl>
+  <dgm:styleLbl name="dkBgShp">
+    <dgm:fillClrLst meth="repeat">
+      <a:schemeClr val="accent2">
+        <a:shade val="90000"/>
+      </a:schemeClr>
+    </dgm:fillClrLst>
+    <dgm:linClrLst meth="repeat">
+      <a:schemeClr val="dk1"/>
+    </dgm:linClrLst>
+    <dgm:effectClrLst/>
+    <dgm:txLinClrLst/>
+    <dgm:txFillClrLst meth="repeat">
+      <a:schemeClr val="lt1"/>
+    </dgm:txFillClrLst>
+    <dgm:txEffectClrLst/>
+  </dgm:styleLbl>
+  <dgm:styleLbl name="trBgShp">
+    <dgm:fillClrLst meth="repeat">
+      <a:schemeClr val="accent2">
+        <a:tint val="50000"/>
+        <a:alpha val="40000"/>
+      </a:schemeClr>
+    </dgm:fillClrLst>
+    <dgm:linClrLst meth="repeat">
+      <a:schemeClr val="accent2"/>
+    </dgm:linClrLst>
+    <dgm:effectClrLst/>
+    <dgm:txLinClrLst/>
+    <dgm:txFillClrLst meth="repeat">
+      <a:schemeClr val="lt1"/>
+    </dgm:txFillClrLst>
+    <dgm:txEffectClrLst/>
+  </dgm:styleLbl>
+  <dgm:styleLbl name="fgShp">
+    <dgm:fillClrLst meth="repeat">
+      <a:schemeClr val="accent2">
+        <a:tint val="40000"/>
+      </a:schemeClr>
+    </dgm:fillClrLst>
+    <dgm:linClrLst meth="repeat">
+      <a:schemeClr val="lt1"/>
+    </dgm:linClrLst>
+    <dgm:effectClrLst/>
+    <dgm:txLinClrLst/>
+    <dgm:txFillClrLst meth="repeat">
+      <a:schemeClr val="dk1"/>
+    </dgm:txFillClrLst>
+    <dgm:txEffectClrLst/>
+  </dgm:styleLbl>
+  <dgm:styleLbl name="revTx">
+    <dgm:fillClrLst meth="repeat">
+      <a:schemeClr val="lt1">
+        <a:alpha val="0"/>
+      </a:schemeClr>
+    </dgm:fillClrLst>
+    <dgm:linClrLst meth="repeat">
+      <a:schemeClr val="dk1">
+        <a:alpha val="0"/>
+      </a:schemeClr>
+    </dgm:linClrLst>
+    <dgm:effectClrLst/>
+    <dgm:txLinClrLst/>
+    <dgm:txFillClrLst meth="repeat">
+      <a:schemeClr val="tx1"/>
+    </dgm:txFillClrLst>
+    <dgm:txEffectClrLst/>
+  </dgm:styleLbl>
+</dgm:colorsDef>
+</file>
+
+<file path=ppt/diagrams/data1.xml><?xml version="1.0" encoding="utf-8"?>
+<dgm:dataModel xmlns:dgm="http://schemas.openxmlformats.org/drawingml/2006/diagram" xmlns:a="http://schemas.openxmlformats.org/drawingml/2006/main">
+  <dgm:ptLst>
+    <dgm:pt modelId="{A375A130-AA3B-47E8-8BA8-46F95FE2B6C3}" type="doc">
+      <dgm:prSet loTypeId="urn:microsoft.com/office/officeart/2018/5/layout/CenteredIconLabelDescriptionList" loCatId="icon" qsTypeId="urn:microsoft.com/office/officeart/2005/8/quickstyle/simple1" qsCatId="simple" csTypeId="urn:microsoft.com/office/officeart/2018/5/colors/Iconchunking_neutralbg_colorful2" csCatId="colorful" phldr="1"/>
+      <dgm:spPr/>
+      <dgm:t>
+        <a:bodyPr/>
+        <a:lstStyle/>
+        <a:p>
+          <a:endParaRPr lang="en-US"/>
+        </a:p>
+      </dgm:t>
+    </dgm:pt>
+    <dgm:pt modelId="{5CEDD8F5-067F-4AC5-86A5-1813F40B6535}">
+      <dgm:prSet/>
+      <dgm:spPr/>
+      <dgm:t>
+        <a:bodyPr/>
+        <a:lstStyle/>
+        <a:p>
+          <a:pPr>
+            <a:defRPr b="1"/>
+          </a:pPr>
+          <a:r>
+            <a:rPr lang="en-CA"/>
+            <a:t>Completed Mechanics</a:t>
+          </a:r>
+          <a:endParaRPr lang="en-US"/>
+        </a:p>
+      </dgm:t>
+    </dgm:pt>
+    <dgm:pt modelId="{CECCD778-BC1C-49EF-BBF7-6A1FE5978CFE}" type="parTrans" cxnId="{E0B19985-798D-401E-B024-2EF2EB4347AD}">
+      <dgm:prSet/>
+      <dgm:spPr/>
+      <dgm:t>
+        <a:bodyPr/>
+        <a:lstStyle/>
+        <a:p>
+          <a:endParaRPr lang="en-US"/>
+        </a:p>
+      </dgm:t>
+    </dgm:pt>
+    <dgm:pt modelId="{129DBEB4-3A06-4A40-92F3-D31079E11789}" type="sibTrans" cxnId="{E0B19985-798D-401E-B024-2EF2EB4347AD}">
+      <dgm:prSet/>
+      <dgm:spPr/>
+      <dgm:t>
+        <a:bodyPr/>
+        <a:lstStyle/>
+        <a:p>
+          <a:endParaRPr lang="en-US"/>
+        </a:p>
+      </dgm:t>
+    </dgm:pt>
+    <dgm:pt modelId="{0C9171E9-B5F7-45C1-BF2B-D090F5BA1D88}">
+      <dgm:prSet/>
+      <dgm:spPr/>
+      <dgm:t>
+        <a:bodyPr/>
+        <a:lstStyle/>
+        <a:p>
+          <a:r>
+            <a:rPr lang="en-CA"/>
+            <a:t>Platforming</a:t>
+          </a:r>
+          <a:endParaRPr lang="en-US"/>
+        </a:p>
+      </dgm:t>
+    </dgm:pt>
+    <dgm:pt modelId="{B73B2AED-A982-441D-BD54-DDC3E0EA22A2}" type="parTrans" cxnId="{F61F7A64-8A05-43CD-9066-EFFF7542B53A}">
+      <dgm:prSet/>
+      <dgm:spPr/>
+      <dgm:t>
+        <a:bodyPr/>
+        <a:lstStyle/>
+        <a:p>
+          <a:endParaRPr lang="en-US"/>
+        </a:p>
+      </dgm:t>
+    </dgm:pt>
+    <dgm:pt modelId="{EEA998D5-46DE-4B65-8073-9E6676E41A08}" type="sibTrans" cxnId="{F61F7A64-8A05-43CD-9066-EFFF7542B53A}">
+      <dgm:prSet/>
+      <dgm:spPr/>
+      <dgm:t>
+        <a:bodyPr/>
+        <a:lstStyle/>
+        <a:p>
+          <a:endParaRPr lang="en-US"/>
+        </a:p>
+      </dgm:t>
+    </dgm:pt>
+    <dgm:pt modelId="{77AC5606-30EF-46A6-A11E-F330FC317DFF}">
+      <dgm:prSet/>
+      <dgm:spPr/>
+      <dgm:t>
+        <a:bodyPr/>
+        <a:lstStyle/>
+        <a:p>
+          <a:r>
+            <a:rPr lang="en-CA"/>
+            <a:t>Ladders</a:t>
+          </a:r>
+          <a:endParaRPr lang="en-US"/>
+        </a:p>
+      </dgm:t>
+    </dgm:pt>
+    <dgm:pt modelId="{9F682260-1C42-44C5-B1AF-A9C5350E6E3F}" type="parTrans" cxnId="{4818FE70-F4FC-47BD-BB6C-9CA8B37A40A1}">
+      <dgm:prSet/>
+      <dgm:spPr/>
+      <dgm:t>
+        <a:bodyPr/>
+        <a:lstStyle/>
+        <a:p>
+          <a:endParaRPr lang="en-US"/>
+        </a:p>
+      </dgm:t>
+    </dgm:pt>
+    <dgm:pt modelId="{6F7EF298-53EF-4454-AC1E-880D4781FE4B}" type="sibTrans" cxnId="{4818FE70-F4FC-47BD-BB6C-9CA8B37A40A1}">
+      <dgm:prSet/>
+      <dgm:spPr/>
+      <dgm:t>
+        <a:bodyPr/>
+        <a:lstStyle/>
+        <a:p>
+          <a:endParaRPr lang="en-US"/>
+        </a:p>
+      </dgm:t>
+    </dgm:pt>
+    <dgm:pt modelId="{EE36D119-5312-40AF-BA00-C34A02B04B75}">
+      <dgm:prSet/>
+      <dgm:spPr/>
+      <dgm:t>
+        <a:bodyPr/>
+        <a:lstStyle/>
+        <a:p>
+          <a:r>
+            <a:rPr lang="en-CA"/>
+            <a:t>Iron and Steel Abilities</a:t>
+          </a:r>
+          <a:endParaRPr lang="en-US"/>
+        </a:p>
+      </dgm:t>
+    </dgm:pt>
+    <dgm:pt modelId="{876E3A5A-6749-4F9C-9457-0AB69D17D382}" type="parTrans" cxnId="{B3C524EE-396A-4FC8-B07B-ED42A260F935}">
+      <dgm:prSet/>
+      <dgm:spPr/>
+      <dgm:t>
+        <a:bodyPr/>
+        <a:lstStyle/>
+        <a:p>
+          <a:endParaRPr lang="en-US"/>
+        </a:p>
+      </dgm:t>
+    </dgm:pt>
+    <dgm:pt modelId="{DD49FCAC-1C56-4DFF-93F7-CEE7B16244B1}" type="sibTrans" cxnId="{B3C524EE-396A-4FC8-B07B-ED42A260F935}">
+      <dgm:prSet/>
+      <dgm:spPr/>
+      <dgm:t>
+        <a:bodyPr/>
+        <a:lstStyle/>
+        <a:p>
+          <a:endParaRPr lang="en-US"/>
+        </a:p>
+      </dgm:t>
+    </dgm:pt>
+    <dgm:pt modelId="{3A9E389D-8D87-46A9-95DC-61E379107282}">
+      <dgm:prSet/>
+      <dgm:spPr/>
+      <dgm:t>
+        <a:bodyPr/>
+        <a:lstStyle/>
+        <a:p>
+          <a:r>
+            <a:rPr lang="en-CA"/>
+            <a:t>Regular Enemies (Bandits)</a:t>
+          </a:r>
+          <a:endParaRPr lang="en-US"/>
+        </a:p>
+      </dgm:t>
+    </dgm:pt>
+    <dgm:pt modelId="{6A28244C-A800-4630-A655-A89D9A84F0B8}" type="parTrans" cxnId="{43AF1A6F-DD8E-4EF5-BC01-8859BD11A926}">
+      <dgm:prSet/>
+      <dgm:spPr/>
+      <dgm:t>
+        <a:bodyPr/>
+        <a:lstStyle/>
+        <a:p>
+          <a:endParaRPr lang="en-US"/>
+        </a:p>
+      </dgm:t>
+    </dgm:pt>
+    <dgm:pt modelId="{DC492A32-01FE-4D86-BC82-8D0C2EF52788}" type="sibTrans" cxnId="{43AF1A6F-DD8E-4EF5-BC01-8859BD11A926}">
+      <dgm:prSet/>
+      <dgm:spPr/>
+      <dgm:t>
+        <a:bodyPr/>
+        <a:lstStyle/>
+        <a:p>
+          <a:endParaRPr lang="en-US"/>
+        </a:p>
+      </dgm:t>
+    </dgm:pt>
+    <dgm:pt modelId="{EC6E48E7-67C0-4AEB-BDB2-5AE09E72A7F0}">
+      <dgm:prSet/>
+      <dgm:spPr/>
+      <dgm:t>
+        <a:bodyPr/>
+        <a:lstStyle/>
+        <a:p>
+          <a:r>
+            <a:rPr lang="en-CA"/>
+            <a:t>Combat with Pushing and Pulling</a:t>
+          </a:r>
+          <a:endParaRPr lang="en-US"/>
+        </a:p>
+      </dgm:t>
+    </dgm:pt>
+    <dgm:pt modelId="{CE098FCB-A82C-4EBA-A4B4-139E88EFEB69}" type="parTrans" cxnId="{04AEF331-EC86-4AEB-B4C0-34AAB03070AB}">
+      <dgm:prSet/>
+      <dgm:spPr/>
+      <dgm:t>
+        <a:bodyPr/>
+        <a:lstStyle/>
+        <a:p>
+          <a:endParaRPr lang="en-US"/>
+        </a:p>
+      </dgm:t>
+    </dgm:pt>
+    <dgm:pt modelId="{8145EA06-210B-43F3-8E68-512901ED850E}" type="sibTrans" cxnId="{04AEF331-EC86-4AEB-B4C0-34AAB03070AB}">
+      <dgm:prSet/>
+      <dgm:spPr/>
+      <dgm:t>
+        <a:bodyPr/>
+        <a:lstStyle/>
+        <a:p>
+          <a:endParaRPr lang="en-US"/>
+        </a:p>
+      </dgm:t>
+    </dgm:pt>
+    <dgm:pt modelId="{5C1890F0-37D9-4F32-AB7C-95FA6E23BE72}">
+      <dgm:prSet/>
+      <dgm:spPr/>
+      <dgm:t>
+        <a:bodyPr/>
+        <a:lstStyle/>
+        <a:p>
+          <a:r>
+            <a:rPr lang="en-CA"/>
+            <a:t>Level 1 Layout</a:t>
+          </a:r>
+          <a:endParaRPr lang="en-US"/>
+        </a:p>
+      </dgm:t>
+    </dgm:pt>
+    <dgm:pt modelId="{BCE239DE-CA25-4DB6-9EAF-D6E636E6F208}" type="parTrans" cxnId="{00F47EC6-A4FA-4B40-BAAC-FB04DF8C646E}">
+      <dgm:prSet/>
+      <dgm:spPr/>
+      <dgm:t>
+        <a:bodyPr/>
+        <a:lstStyle/>
+        <a:p>
+          <a:endParaRPr lang="en-US"/>
+        </a:p>
+      </dgm:t>
+    </dgm:pt>
+    <dgm:pt modelId="{B25A81DE-E830-47D0-B9E4-008ED25210FC}" type="sibTrans" cxnId="{00F47EC6-A4FA-4B40-BAAC-FB04DF8C646E}">
+      <dgm:prSet/>
+      <dgm:spPr/>
+      <dgm:t>
+        <a:bodyPr/>
+        <a:lstStyle/>
+        <a:p>
+          <a:endParaRPr lang="en-US"/>
+        </a:p>
+      </dgm:t>
+    </dgm:pt>
+    <dgm:pt modelId="{0A275781-1BF7-48E3-8396-860EE253AE4A}">
+      <dgm:prSet/>
+      <dgm:spPr/>
+      <dgm:t>
+        <a:bodyPr/>
+        <a:lstStyle/>
+        <a:p>
+          <a:pPr>
+            <a:defRPr b="1"/>
+          </a:pPr>
+          <a:r>
+            <a:rPr lang="en-CA"/>
+            <a:t>In Progress Mechanics</a:t>
+          </a:r>
+          <a:endParaRPr lang="en-US"/>
+        </a:p>
+      </dgm:t>
+    </dgm:pt>
+    <dgm:pt modelId="{ABE23DDD-80AA-4B94-92CF-89983AAC7BE0}" type="parTrans" cxnId="{DF338C04-11A9-4CFA-99E2-885C4A8EB5A4}">
+      <dgm:prSet/>
+      <dgm:spPr/>
+      <dgm:t>
+        <a:bodyPr/>
+        <a:lstStyle/>
+        <a:p>
+          <a:endParaRPr lang="en-US"/>
+        </a:p>
+      </dgm:t>
+    </dgm:pt>
+    <dgm:pt modelId="{FCB91CA2-3489-4F7A-AEAD-19D92F0AF0CB}" type="sibTrans" cxnId="{DF338C04-11A9-4CFA-99E2-885C4A8EB5A4}">
+      <dgm:prSet/>
+      <dgm:spPr/>
+      <dgm:t>
+        <a:bodyPr/>
+        <a:lstStyle/>
+        <a:p>
+          <a:endParaRPr lang="en-US"/>
+        </a:p>
+      </dgm:t>
+    </dgm:pt>
+    <dgm:pt modelId="{B15C9866-98E6-4EBF-9B0E-C126A643B4FF}">
+      <dgm:prSet/>
+      <dgm:spPr/>
+      <dgm:t>
+        <a:bodyPr/>
+        <a:lstStyle/>
+        <a:p>
+          <a:r>
+            <a:rPr lang="en-CA"/>
+            <a:t>Pewter Ability</a:t>
+          </a:r>
+          <a:endParaRPr lang="en-US"/>
+        </a:p>
+      </dgm:t>
+    </dgm:pt>
+    <dgm:pt modelId="{243F6935-8317-484E-8ED7-6405F973DE21}" type="parTrans" cxnId="{BC5BC89A-4998-478E-B542-E1F3E1833589}">
+      <dgm:prSet/>
+      <dgm:spPr/>
+      <dgm:t>
+        <a:bodyPr/>
+        <a:lstStyle/>
+        <a:p>
+          <a:endParaRPr lang="en-US"/>
+        </a:p>
+      </dgm:t>
+    </dgm:pt>
+    <dgm:pt modelId="{5791DC9A-C85B-4293-B94C-4F5478735305}" type="sibTrans" cxnId="{BC5BC89A-4998-478E-B542-E1F3E1833589}">
+      <dgm:prSet/>
+      <dgm:spPr/>
+      <dgm:t>
+        <a:bodyPr/>
+        <a:lstStyle/>
+        <a:p>
+          <a:endParaRPr lang="en-US"/>
+        </a:p>
+      </dgm:t>
+    </dgm:pt>
+    <dgm:pt modelId="{8A76115A-C3C3-495F-8347-CB862EEB7E45}">
+      <dgm:prSet/>
+      <dgm:spPr/>
+      <dgm:t>
+        <a:bodyPr/>
+        <a:lstStyle/>
+        <a:p>
+          <a:r>
+            <a:rPr lang="en-CA"/>
+            <a:t>Sound Design</a:t>
+          </a:r>
+          <a:endParaRPr lang="en-US"/>
+        </a:p>
+      </dgm:t>
+    </dgm:pt>
+    <dgm:pt modelId="{37865FEA-998D-49C5-8C52-5FD3C8188164}" type="parTrans" cxnId="{68702D1D-53F3-4CF6-8B3A-51006D67901D}">
+      <dgm:prSet/>
+      <dgm:spPr/>
+      <dgm:t>
+        <a:bodyPr/>
+        <a:lstStyle/>
+        <a:p>
+          <a:endParaRPr lang="en-US"/>
+        </a:p>
+      </dgm:t>
+    </dgm:pt>
+    <dgm:pt modelId="{C7AE1574-9817-4110-828C-D88850E7D7FE}" type="sibTrans" cxnId="{68702D1D-53F3-4CF6-8B3A-51006D67901D}">
+      <dgm:prSet/>
+      <dgm:spPr/>
+      <dgm:t>
+        <a:bodyPr/>
+        <a:lstStyle/>
+        <a:p>
+          <a:endParaRPr lang="en-US"/>
+        </a:p>
+      </dgm:t>
+    </dgm:pt>
+    <dgm:pt modelId="{0F3BBDBB-A7B3-4B82-9F6E-926BA9DD6D6A}">
+      <dgm:prSet/>
+      <dgm:spPr/>
+      <dgm:t>
+        <a:bodyPr/>
+        <a:lstStyle/>
+        <a:p>
+          <a:pPr>
+            <a:defRPr b="1"/>
+          </a:pPr>
+          <a:r>
+            <a:rPr lang="en-CA"/>
+            <a:t>Mechanics to Complete</a:t>
+          </a:r>
+          <a:endParaRPr lang="en-US"/>
+        </a:p>
+      </dgm:t>
+    </dgm:pt>
+    <dgm:pt modelId="{C4BFD83A-A1FB-4928-AE2D-1013662D3D40}" type="parTrans" cxnId="{20DE5CF3-6DF2-4903-8EA4-0CE24F8C7553}">
+      <dgm:prSet/>
+      <dgm:spPr/>
+      <dgm:t>
+        <a:bodyPr/>
+        <a:lstStyle/>
+        <a:p>
+          <a:endParaRPr lang="en-US"/>
+        </a:p>
+      </dgm:t>
+    </dgm:pt>
+    <dgm:pt modelId="{3A9FC0B9-9B81-4969-A98C-4DA4C07B0136}" type="sibTrans" cxnId="{20DE5CF3-6DF2-4903-8EA4-0CE24F8C7553}">
+      <dgm:prSet/>
+      <dgm:spPr/>
+      <dgm:t>
+        <a:bodyPr/>
+        <a:lstStyle/>
+        <a:p>
+          <a:endParaRPr lang="en-US"/>
+        </a:p>
+      </dgm:t>
+    </dgm:pt>
+    <dgm:pt modelId="{E58F6606-CE18-4F50-93C6-1B3B62711897}">
+      <dgm:prSet/>
+      <dgm:spPr/>
+      <dgm:t>
+        <a:bodyPr/>
+        <a:lstStyle/>
+        <a:p>
+          <a:r>
+            <a:rPr lang="en-CA"/>
+            <a:t>Ranged Enemy</a:t>
+          </a:r>
+          <a:endParaRPr lang="en-US"/>
+        </a:p>
+      </dgm:t>
+    </dgm:pt>
+    <dgm:pt modelId="{74CE017A-6DCB-4A1A-AD66-669549D8021D}" type="parTrans" cxnId="{D24B972B-544B-4951-A2BF-414DFAC411B2}">
+      <dgm:prSet/>
+      <dgm:spPr/>
+      <dgm:t>
+        <a:bodyPr/>
+        <a:lstStyle/>
+        <a:p>
+          <a:endParaRPr lang="en-US"/>
+        </a:p>
+      </dgm:t>
+    </dgm:pt>
+    <dgm:pt modelId="{B6F74895-698E-4E6E-B689-A3C9EA708293}" type="sibTrans" cxnId="{D24B972B-544B-4951-A2BF-414DFAC411B2}">
+      <dgm:prSet/>
+      <dgm:spPr/>
+      <dgm:t>
+        <a:bodyPr/>
+        <a:lstStyle/>
+        <a:p>
+          <a:endParaRPr lang="en-US"/>
+        </a:p>
+      </dgm:t>
+    </dgm:pt>
+    <dgm:pt modelId="{BAF7C324-8800-452E-8DE1-C1748AA6DBDA}">
+      <dgm:prSet/>
+      <dgm:spPr/>
+      <dgm:t>
+        <a:bodyPr/>
+        <a:lstStyle/>
+        <a:p>
+          <a:r>
+            <a:rPr lang="en-CA"/>
+            <a:t>Highlighting Interactables</a:t>
+          </a:r>
+          <a:endParaRPr lang="en-US"/>
+        </a:p>
+      </dgm:t>
+    </dgm:pt>
+    <dgm:pt modelId="{4960BE11-3E6E-47B8-A28A-AF1A63D2FEF1}" type="parTrans" cxnId="{ABABEBAE-8A40-4925-B246-0BBC36987587}">
+      <dgm:prSet/>
+      <dgm:spPr/>
+      <dgm:t>
+        <a:bodyPr/>
+        <a:lstStyle/>
+        <a:p>
+          <a:endParaRPr lang="en-US"/>
+        </a:p>
+      </dgm:t>
+    </dgm:pt>
+    <dgm:pt modelId="{F75F0CF7-593A-4D1B-88F6-712FB378BD5E}" type="sibTrans" cxnId="{ABABEBAE-8A40-4925-B246-0BBC36987587}">
+      <dgm:prSet/>
+      <dgm:spPr/>
+      <dgm:t>
+        <a:bodyPr/>
+        <a:lstStyle/>
+        <a:p>
+          <a:endParaRPr lang="en-US"/>
+        </a:p>
+      </dgm:t>
+    </dgm:pt>
+    <dgm:pt modelId="{86AA540D-E5C4-4C2B-B2B7-C9E4B643D389}">
+      <dgm:prSet/>
+      <dgm:spPr/>
+      <dgm:t>
+        <a:bodyPr/>
+        <a:lstStyle/>
+        <a:p>
+          <a:r>
+            <a:rPr lang="en-CA"/>
+            <a:t>Koloss Enemy</a:t>
+          </a:r>
+          <a:endParaRPr lang="en-US"/>
+        </a:p>
+      </dgm:t>
+    </dgm:pt>
+    <dgm:pt modelId="{61A0BE00-028C-4AEA-878B-A87DCABC230B}" type="parTrans" cxnId="{42CB67FD-9D35-4C38-A3EA-9A734AAB1DA8}">
+      <dgm:prSet/>
+      <dgm:spPr/>
+      <dgm:t>
+        <a:bodyPr/>
+        <a:lstStyle/>
+        <a:p>
+          <a:endParaRPr lang="en-US"/>
+        </a:p>
+      </dgm:t>
+    </dgm:pt>
+    <dgm:pt modelId="{B03255EE-D444-4C7B-ABAA-DEAE34C25798}" type="sibTrans" cxnId="{42CB67FD-9D35-4C38-A3EA-9A734AAB1DA8}">
+      <dgm:prSet/>
+      <dgm:spPr/>
+      <dgm:t>
+        <a:bodyPr/>
+        <a:lstStyle/>
+        <a:p>
+          <a:endParaRPr lang="en-US"/>
+        </a:p>
+      </dgm:t>
+    </dgm:pt>
+    <dgm:pt modelId="{BA7A0818-ACA5-4E56-B3BF-3036A8678826}">
+      <dgm:prSet/>
+      <dgm:spPr/>
+      <dgm:t>
+        <a:bodyPr/>
+        <a:lstStyle/>
+        <a:p>
+          <a:r>
+            <a:rPr lang="en-CA"/>
+            <a:t>Boss Fight</a:t>
+          </a:r>
+          <a:endParaRPr lang="en-US"/>
+        </a:p>
+      </dgm:t>
+    </dgm:pt>
+    <dgm:pt modelId="{523F1DF0-A9FD-4D2B-9756-FC5BCDCD4255}" type="parTrans" cxnId="{535A3267-7045-4547-9128-BA822439E505}">
+      <dgm:prSet/>
+      <dgm:spPr/>
+      <dgm:t>
+        <a:bodyPr/>
+        <a:lstStyle/>
+        <a:p>
+          <a:endParaRPr lang="en-US"/>
+        </a:p>
+      </dgm:t>
+    </dgm:pt>
+    <dgm:pt modelId="{3D78926F-A738-4150-9312-0A0D4CDCBD3D}" type="sibTrans" cxnId="{535A3267-7045-4547-9128-BA822439E505}">
+      <dgm:prSet/>
+      <dgm:spPr/>
+      <dgm:t>
+        <a:bodyPr/>
+        <a:lstStyle/>
+        <a:p>
+          <a:endParaRPr lang="en-US"/>
+        </a:p>
+      </dgm:t>
+    </dgm:pt>
+    <dgm:pt modelId="{3E71140D-E928-4466-8087-4A3A81E55B3E}">
+      <dgm:prSet/>
+      <dgm:spPr/>
+      <dgm:t>
+        <a:bodyPr/>
+        <a:lstStyle/>
+        <a:p>
+          <a:r>
+            <a:rPr lang="en-CA"/>
+            <a:t>Level 2 Layout</a:t>
+          </a:r>
+          <a:endParaRPr lang="en-US"/>
+        </a:p>
+      </dgm:t>
+    </dgm:pt>
+    <dgm:pt modelId="{34E66E7C-758C-46E6-8088-B7BB39652206}" type="parTrans" cxnId="{5993C163-4574-44FC-A669-1FF02DF2A0F3}">
+      <dgm:prSet/>
+      <dgm:spPr/>
+      <dgm:t>
+        <a:bodyPr/>
+        <a:lstStyle/>
+        <a:p>
+          <a:endParaRPr lang="en-US"/>
+        </a:p>
+      </dgm:t>
+    </dgm:pt>
+    <dgm:pt modelId="{A8B7A3C6-2622-4E82-B169-EF0CA10DE905}" type="sibTrans" cxnId="{5993C163-4574-44FC-A669-1FF02DF2A0F3}">
+      <dgm:prSet/>
+      <dgm:spPr/>
+      <dgm:t>
+        <a:bodyPr/>
+        <a:lstStyle/>
+        <a:p>
+          <a:endParaRPr lang="en-US"/>
+        </a:p>
+      </dgm:t>
+    </dgm:pt>
+    <dgm:pt modelId="{87FCEE71-FFA6-4B5B-B75D-8F59D38046AE}">
+      <dgm:prSet/>
+      <dgm:spPr/>
+      <dgm:t>
+        <a:bodyPr/>
+        <a:lstStyle/>
+        <a:p>
+          <a:r>
+            <a:rPr lang="en-CA"/>
+            <a:t>Boss Level Layout</a:t>
+          </a:r>
+          <a:endParaRPr lang="en-US"/>
+        </a:p>
+      </dgm:t>
+    </dgm:pt>
+    <dgm:pt modelId="{D255D574-5A39-4AB1-A2E9-6B145DBE3EDE}" type="parTrans" cxnId="{B055470C-B72D-43FE-8E49-2F9B153D0E70}">
+      <dgm:prSet/>
+      <dgm:spPr/>
+      <dgm:t>
+        <a:bodyPr/>
+        <a:lstStyle/>
+        <a:p>
+          <a:endParaRPr lang="en-US"/>
+        </a:p>
+      </dgm:t>
+    </dgm:pt>
+    <dgm:pt modelId="{3668683B-03B6-4938-8C39-709376FBEB03}" type="sibTrans" cxnId="{B055470C-B72D-43FE-8E49-2F9B153D0E70}">
+      <dgm:prSet/>
+      <dgm:spPr/>
+      <dgm:t>
+        <a:bodyPr/>
+        <a:lstStyle/>
+        <a:p>
+          <a:endParaRPr lang="en-US"/>
+        </a:p>
+      </dgm:t>
+    </dgm:pt>
+    <dgm:pt modelId="{4E5E00B1-9D35-4A11-8B2B-1A9152A92936}" type="pres">
+      <dgm:prSet presAssocID="{A375A130-AA3B-47E8-8BA8-46F95FE2B6C3}" presName="root" presStyleCnt="0">
+        <dgm:presLayoutVars>
+          <dgm:dir/>
+          <dgm:resizeHandles val="exact"/>
+        </dgm:presLayoutVars>
+      </dgm:prSet>
+      <dgm:spPr/>
+    </dgm:pt>
+    <dgm:pt modelId="{8F040ECA-88F6-4CF5-80AE-09A69E002FF9}" type="pres">
+      <dgm:prSet presAssocID="{5CEDD8F5-067F-4AC5-86A5-1813F40B6535}" presName="compNode" presStyleCnt="0"/>
+      <dgm:spPr/>
+    </dgm:pt>
+    <dgm:pt modelId="{E7E3292F-53A6-498B-A981-9153084672D1}" type="pres">
+      <dgm:prSet presAssocID="{5CEDD8F5-067F-4AC5-86A5-1813F40B6535}" presName="iconRect" presStyleLbl="node1" presStyleIdx="0" presStyleCnt="3" custLinFactX="300000" custLinFactNeighborX="374126" custLinFactNeighborY="-4567"/>
+      <dgm:spPr>
+        <a:blipFill>
+          <a:blip xmlns:r="http://schemas.openxmlformats.org/officeDocument/2006/relationships" r:embed="rId1">
+            <a:extLst>
+              <a:ext uri="{28A0092B-C50C-407E-A947-70E740481C1C}">
+                <a14:useLocalDpi xmlns:a14="http://schemas.microsoft.com/office/drawing/2010/main" val="0"/>
+              </a:ext>
+              <a:ext uri="{96DAC541-7B7A-43D3-8B79-37D633B846F1}">
+                <asvg:svgBlip xmlns:asvg="http://schemas.microsoft.com/office/drawing/2016/SVG/main" r:embed="rId2"/>
+              </a:ext>
+            </a:extLst>
+          </a:blip>
+          <a:stretch>
+            <a:fillRect/>
+          </a:stretch>
+        </a:blipFill>
+        <a:ln>
+          <a:noFill/>
+        </a:ln>
+      </dgm:spPr>
+      <dgm:extLst>
+        <a:ext uri="{E40237B7-FDA0-4F09-8148-C483321AD2D9}">
+          <dgm14:cNvPr xmlns:dgm14="http://schemas.microsoft.com/office/drawing/2010/diagram" id="0" name="" descr="Dumbbell"/>
+        </a:ext>
+      </dgm:extLst>
+    </dgm:pt>
+    <dgm:pt modelId="{36E4F3C1-85BC-48FE-BF31-6DED967047C7}" type="pres">
+      <dgm:prSet presAssocID="{5CEDD8F5-067F-4AC5-86A5-1813F40B6535}" presName="iconSpace" presStyleCnt="0"/>
+      <dgm:spPr/>
+    </dgm:pt>
+    <dgm:pt modelId="{942419A5-1F82-4D80-B74C-4409A455AE72}" type="pres">
+      <dgm:prSet presAssocID="{5CEDD8F5-067F-4AC5-86A5-1813F40B6535}" presName="parTx" presStyleLbl="revTx" presStyleIdx="0" presStyleCnt="6">
+        <dgm:presLayoutVars>
+          <dgm:chMax val="0"/>
+          <dgm:chPref val="0"/>
+        </dgm:presLayoutVars>
+      </dgm:prSet>
+      <dgm:spPr/>
+    </dgm:pt>
+    <dgm:pt modelId="{40C7BC60-61CF-4B76-8555-5622A8333F2E}" type="pres">
+      <dgm:prSet presAssocID="{5CEDD8F5-067F-4AC5-86A5-1813F40B6535}" presName="txSpace" presStyleCnt="0"/>
+      <dgm:spPr/>
+    </dgm:pt>
+    <dgm:pt modelId="{6F3011A6-CF49-4E21-A929-B173EED80749}" type="pres">
+      <dgm:prSet presAssocID="{5CEDD8F5-067F-4AC5-86A5-1813F40B6535}" presName="desTx" presStyleLbl="revTx" presStyleIdx="1" presStyleCnt="6">
+        <dgm:presLayoutVars/>
+      </dgm:prSet>
+      <dgm:spPr/>
+    </dgm:pt>
+    <dgm:pt modelId="{96FDB0C1-E688-4A3D-9216-3BA72078DA08}" type="pres">
+      <dgm:prSet presAssocID="{129DBEB4-3A06-4A40-92F3-D31079E11789}" presName="sibTrans" presStyleCnt="0"/>
+      <dgm:spPr/>
+    </dgm:pt>
+    <dgm:pt modelId="{B2A68C78-4A9F-4372-878D-070F2CA550DB}" type="pres">
+      <dgm:prSet presAssocID="{0A275781-1BF7-48E3-8396-860EE253AE4A}" presName="compNode" presStyleCnt="0"/>
+      <dgm:spPr/>
+    </dgm:pt>
+    <dgm:pt modelId="{D1EC2120-9045-4F73-B1D6-BB0ACC9CEB11}" type="pres">
+      <dgm:prSet presAssocID="{0A275781-1BF7-48E3-8396-860EE253AE4A}" presName="iconRect" presStyleLbl="node1" presStyleIdx="1" presStyleCnt="3"/>
+      <dgm:spPr>
+        <a:blipFill>
+          <a:blip xmlns:r="http://schemas.openxmlformats.org/officeDocument/2006/relationships" r:embed="rId3">
+            <a:extLst>
+              <a:ext uri="{28A0092B-C50C-407E-A947-70E740481C1C}">
+                <a14:useLocalDpi xmlns:a14="http://schemas.microsoft.com/office/drawing/2010/main" val="0"/>
+              </a:ext>
+              <a:ext uri="{96DAC541-7B7A-43D3-8B79-37D633B846F1}">
+                <asvg:svgBlip xmlns:asvg="http://schemas.microsoft.com/office/drawing/2016/SVG/main" r:embed="rId4"/>
+              </a:ext>
+            </a:extLst>
+          </a:blip>
+          <a:stretch>
+            <a:fillRect/>
+          </a:stretch>
+        </a:blipFill>
+        <a:ln>
+          <a:noFill/>
+        </a:ln>
+      </dgm:spPr>
+      <dgm:extLst>
+        <a:ext uri="{E40237B7-FDA0-4F09-8148-C483321AD2D9}">
+          <dgm14:cNvPr xmlns:dgm14="http://schemas.microsoft.com/office/drawing/2010/diagram" id="0" name="" descr="Gears"/>
+        </a:ext>
+      </dgm:extLst>
+    </dgm:pt>
+    <dgm:pt modelId="{ECD718C8-6F0A-40E0-AC94-CF052A42ABE8}" type="pres">
+      <dgm:prSet presAssocID="{0A275781-1BF7-48E3-8396-860EE253AE4A}" presName="iconSpace" presStyleCnt="0"/>
+      <dgm:spPr/>
+    </dgm:pt>
+    <dgm:pt modelId="{7ED683EE-BFCC-4299-BD34-63CA1C0754DF}" type="pres">
+      <dgm:prSet presAssocID="{0A275781-1BF7-48E3-8396-860EE253AE4A}" presName="parTx" presStyleLbl="revTx" presStyleIdx="2" presStyleCnt="6">
+        <dgm:presLayoutVars>
+          <dgm:chMax val="0"/>
+          <dgm:chPref val="0"/>
+        </dgm:presLayoutVars>
+      </dgm:prSet>
+      <dgm:spPr/>
+    </dgm:pt>
+    <dgm:pt modelId="{585C96EC-7C1A-4C16-A33E-B233D1F355A3}" type="pres">
+      <dgm:prSet presAssocID="{0A275781-1BF7-48E3-8396-860EE253AE4A}" presName="txSpace" presStyleCnt="0"/>
+      <dgm:spPr/>
+    </dgm:pt>
+    <dgm:pt modelId="{9215D9AC-7A49-402B-9F01-84CD488D7BBA}" type="pres">
+      <dgm:prSet presAssocID="{0A275781-1BF7-48E3-8396-860EE253AE4A}" presName="desTx" presStyleLbl="revTx" presStyleIdx="3" presStyleCnt="6">
+        <dgm:presLayoutVars/>
+      </dgm:prSet>
+      <dgm:spPr/>
+    </dgm:pt>
+    <dgm:pt modelId="{286FDD42-B0FC-4F7B-A26A-67FEEBDCF60A}" type="pres">
+      <dgm:prSet presAssocID="{FCB91CA2-3489-4F7A-AEAD-19D92F0AF0CB}" presName="sibTrans" presStyleCnt="0"/>
+      <dgm:spPr/>
+    </dgm:pt>
+    <dgm:pt modelId="{C11E7B91-6E05-480C-BFA3-5D6B4271B170}" type="pres">
+      <dgm:prSet presAssocID="{0F3BBDBB-A7B3-4B82-9F6E-926BA9DD6D6A}" presName="compNode" presStyleCnt="0"/>
+      <dgm:spPr/>
+    </dgm:pt>
+    <dgm:pt modelId="{FD92FE17-22B3-43C2-83BE-7219C300B2B8}" type="pres">
+      <dgm:prSet presAssocID="{0F3BBDBB-A7B3-4B82-9F6E-926BA9DD6D6A}" presName="iconRect" presStyleLbl="node1" presStyleIdx="2" presStyleCnt="3" custLinFactX="-300000" custLinFactNeighborX="-379754" custLinFactNeighborY="6134"/>
+      <dgm:spPr>
+        <a:blipFill>
+          <a:blip xmlns:r="http://schemas.openxmlformats.org/officeDocument/2006/relationships" r:embed="rId5">
+            <a:extLst>
+              <a:ext uri="{28A0092B-C50C-407E-A947-70E740481C1C}">
+                <a14:useLocalDpi xmlns:a14="http://schemas.microsoft.com/office/drawing/2010/main" val="0"/>
+              </a:ext>
+              <a:ext uri="{96DAC541-7B7A-43D3-8B79-37D633B846F1}">
+                <asvg:svgBlip xmlns:asvg="http://schemas.microsoft.com/office/drawing/2016/SVG/main" r:embed="rId6"/>
+              </a:ext>
+            </a:extLst>
+          </a:blip>
+          <a:stretch>
+            <a:fillRect/>
+          </a:stretch>
+        </a:blipFill>
+        <a:ln>
+          <a:noFill/>
+        </a:ln>
+      </dgm:spPr>
+      <dgm:extLst>
+        <a:ext uri="{E40237B7-FDA0-4F09-8148-C483321AD2D9}">
+          <dgm14:cNvPr xmlns:dgm14="http://schemas.microsoft.com/office/drawing/2010/diagram" id="0" name="" descr="Checkmark"/>
+        </a:ext>
+      </dgm:extLst>
+    </dgm:pt>
+    <dgm:pt modelId="{18B56A77-D92A-41C9-B0FA-1BE3293A5297}" type="pres">
+      <dgm:prSet presAssocID="{0F3BBDBB-A7B3-4B82-9F6E-926BA9DD6D6A}" presName="iconSpace" presStyleCnt="0"/>
+      <dgm:spPr/>
+    </dgm:pt>
+    <dgm:pt modelId="{0C018561-102C-4F48-8542-634430AB6E07}" type="pres">
+      <dgm:prSet presAssocID="{0F3BBDBB-A7B3-4B82-9F6E-926BA9DD6D6A}" presName="parTx" presStyleLbl="revTx" presStyleIdx="4" presStyleCnt="6">
+        <dgm:presLayoutVars>
+          <dgm:chMax val="0"/>
+          <dgm:chPref val="0"/>
+        </dgm:presLayoutVars>
+      </dgm:prSet>
+      <dgm:spPr/>
+    </dgm:pt>
+    <dgm:pt modelId="{9C1E8BF1-8F02-428D-AE88-97DBD5E49171}" type="pres">
+      <dgm:prSet presAssocID="{0F3BBDBB-A7B3-4B82-9F6E-926BA9DD6D6A}" presName="txSpace" presStyleCnt="0"/>
+      <dgm:spPr/>
+    </dgm:pt>
+    <dgm:pt modelId="{30541D99-9355-406B-B10A-095D9F444E86}" type="pres">
+      <dgm:prSet presAssocID="{0F3BBDBB-A7B3-4B82-9F6E-926BA9DD6D6A}" presName="desTx" presStyleLbl="revTx" presStyleIdx="5" presStyleCnt="6">
+        <dgm:presLayoutVars/>
+      </dgm:prSet>
+      <dgm:spPr/>
+    </dgm:pt>
+  </dgm:ptLst>
+  <dgm:cxnLst>
+    <dgm:cxn modelId="{DF338C04-11A9-4CFA-99E2-885C4A8EB5A4}" srcId="{A375A130-AA3B-47E8-8BA8-46F95FE2B6C3}" destId="{0A275781-1BF7-48E3-8396-860EE253AE4A}" srcOrd="1" destOrd="0" parTransId="{ABE23DDD-80AA-4B94-92CF-89983AAC7BE0}" sibTransId="{FCB91CA2-3489-4F7A-AEAD-19D92F0AF0CB}"/>
+    <dgm:cxn modelId="{B055470C-B72D-43FE-8E49-2F9B153D0E70}" srcId="{0F3BBDBB-A7B3-4B82-9F6E-926BA9DD6D6A}" destId="{87FCEE71-FFA6-4B5B-B75D-8F59D38046AE}" srcOrd="5" destOrd="0" parTransId="{D255D574-5A39-4AB1-A2E9-6B145DBE3EDE}" sibTransId="{3668683B-03B6-4938-8C39-709376FBEB03}"/>
+    <dgm:cxn modelId="{DA07BA0E-EF30-4632-BA39-D48B1D4DCD25}" type="presOf" srcId="{A375A130-AA3B-47E8-8BA8-46F95FE2B6C3}" destId="{4E5E00B1-9D35-4A11-8B2B-1A9152A92936}" srcOrd="0" destOrd="0" presId="urn:microsoft.com/office/officeart/2018/5/layout/CenteredIconLabelDescriptionList"/>
+    <dgm:cxn modelId="{CE303B18-7F54-46EF-8C05-3841863D4C2D}" type="presOf" srcId="{BAF7C324-8800-452E-8DE1-C1748AA6DBDA}" destId="{30541D99-9355-406B-B10A-095D9F444E86}" srcOrd="0" destOrd="1" presId="urn:microsoft.com/office/officeart/2018/5/layout/CenteredIconLabelDescriptionList"/>
+    <dgm:cxn modelId="{89A5AC1B-1ADB-43C6-9A3A-A4E10500B281}" type="presOf" srcId="{5C1890F0-37D9-4F32-AB7C-95FA6E23BE72}" destId="{6F3011A6-CF49-4E21-A929-B173EED80749}" srcOrd="0" destOrd="5" presId="urn:microsoft.com/office/officeart/2018/5/layout/CenteredIconLabelDescriptionList"/>
+    <dgm:cxn modelId="{68702D1D-53F3-4CF6-8B3A-51006D67901D}" srcId="{0A275781-1BF7-48E3-8396-860EE253AE4A}" destId="{8A76115A-C3C3-495F-8347-CB862EEB7E45}" srcOrd="1" destOrd="0" parTransId="{37865FEA-998D-49C5-8C52-5FD3C8188164}" sibTransId="{C7AE1574-9817-4110-828C-D88850E7D7FE}"/>
+    <dgm:cxn modelId="{A6C2C124-E61D-4F61-AC91-FC2C8F52AA42}" type="presOf" srcId="{86AA540D-E5C4-4C2B-B2B7-C9E4B643D389}" destId="{30541D99-9355-406B-B10A-095D9F444E86}" srcOrd="0" destOrd="2" presId="urn:microsoft.com/office/officeart/2018/5/layout/CenteredIconLabelDescriptionList"/>
+    <dgm:cxn modelId="{D24B972B-544B-4951-A2BF-414DFAC411B2}" srcId="{0F3BBDBB-A7B3-4B82-9F6E-926BA9DD6D6A}" destId="{E58F6606-CE18-4F50-93C6-1B3B62711897}" srcOrd="0" destOrd="0" parTransId="{74CE017A-6DCB-4A1A-AD66-669549D8021D}" sibTransId="{B6F74895-698E-4E6E-B689-A3C9EA708293}"/>
+    <dgm:cxn modelId="{04AEF331-EC86-4AEB-B4C0-34AAB03070AB}" srcId="{5CEDD8F5-067F-4AC5-86A5-1813F40B6535}" destId="{EC6E48E7-67C0-4AEB-BDB2-5AE09E72A7F0}" srcOrd="4" destOrd="0" parTransId="{CE098FCB-A82C-4EBA-A4B4-139E88EFEB69}" sibTransId="{8145EA06-210B-43F3-8E68-512901ED850E}"/>
+    <dgm:cxn modelId="{5993C163-4574-44FC-A669-1FF02DF2A0F3}" srcId="{0F3BBDBB-A7B3-4B82-9F6E-926BA9DD6D6A}" destId="{3E71140D-E928-4466-8087-4A3A81E55B3E}" srcOrd="4" destOrd="0" parTransId="{34E66E7C-758C-46E6-8088-B7BB39652206}" sibTransId="{A8B7A3C6-2622-4E82-B169-EF0CA10DE905}"/>
+    <dgm:cxn modelId="{F61F7A64-8A05-43CD-9066-EFFF7542B53A}" srcId="{5CEDD8F5-067F-4AC5-86A5-1813F40B6535}" destId="{0C9171E9-B5F7-45C1-BF2B-D090F5BA1D88}" srcOrd="0" destOrd="0" parTransId="{B73B2AED-A982-441D-BD54-DDC3E0EA22A2}" sibTransId="{EEA998D5-46DE-4B65-8073-9E6676E41A08}"/>
+    <dgm:cxn modelId="{22ABAA44-7833-417D-99DF-BB101C4EEA87}" type="presOf" srcId="{5CEDD8F5-067F-4AC5-86A5-1813F40B6535}" destId="{942419A5-1F82-4D80-B74C-4409A455AE72}" srcOrd="0" destOrd="0" presId="urn:microsoft.com/office/officeart/2018/5/layout/CenteredIconLabelDescriptionList"/>
+    <dgm:cxn modelId="{535A3267-7045-4547-9128-BA822439E505}" srcId="{0F3BBDBB-A7B3-4B82-9F6E-926BA9DD6D6A}" destId="{BA7A0818-ACA5-4E56-B3BF-3036A8678826}" srcOrd="3" destOrd="0" parTransId="{523F1DF0-A9FD-4D2B-9756-FC5BCDCD4255}" sibTransId="{3D78926F-A738-4150-9312-0A0D4CDCBD3D}"/>
+    <dgm:cxn modelId="{C1450449-63F8-40C5-9C88-34E959524737}" type="presOf" srcId="{E58F6606-CE18-4F50-93C6-1B3B62711897}" destId="{30541D99-9355-406B-B10A-095D9F444E86}" srcOrd="0" destOrd="0" presId="urn:microsoft.com/office/officeart/2018/5/layout/CenteredIconLabelDescriptionList"/>
+    <dgm:cxn modelId="{D836FA49-F6DA-489D-8EC3-8F007CEA45A1}" type="presOf" srcId="{3A9E389D-8D87-46A9-95DC-61E379107282}" destId="{6F3011A6-CF49-4E21-A929-B173EED80749}" srcOrd="0" destOrd="3" presId="urn:microsoft.com/office/officeart/2018/5/layout/CenteredIconLabelDescriptionList"/>
+    <dgm:cxn modelId="{0D7EED4D-619D-46D0-ABF0-A94FA056B67B}" type="presOf" srcId="{87FCEE71-FFA6-4B5B-B75D-8F59D38046AE}" destId="{30541D99-9355-406B-B10A-095D9F444E86}" srcOrd="0" destOrd="5" presId="urn:microsoft.com/office/officeart/2018/5/layout/CenteredIconLabelDescriptionList"/>
+    <dgm:cxn modelId="{5FEEFA4D-9E6E-4CC3-A9AB-03AE680F1F29}" type="presOf" srcId="{77AC5606-30EF-46A6-A11E-F330FC317DFF}" destId="{6F3011A6-CF49-4E21-A929-B173EED80749}" srcOrd="0" destOrd="1" presId="urn:microsoft.com/office/officeart/2018/5/layout/CenteredIconLabelDescriptionList"/>
+    <dgm:cxn modelId="{43AF1A6F-DD8E-4EF5-BC01-8859BD11A926}" srcId="{5CEDD8F5-067F-4AC5-86A5-1813F40B6535}" destId="{3A9E389D-8D87-46A9-95DC-61E379107282}" srcOrd="3" destOrd="0" parTransId="{6A28244C-A800-4630-A655-A89D9A84F0B8}" sibTransId="{DC492A32-01FE-4D86-BC82-8D0C2EF52788}"/>
+    <dgm:cxn modelId="{4818FE70-F4FC-47BD-BB6C-9CA8B37A40A1}" srcId="{5CEDD8F5-067F-4AC5-86A5-1813F40B6535}" destId="{77AC5606-30EF-46A6-A11E-F330FC317DFF}" srcOrd="1" destOrd="0" parTransId="{9F682260-1C42-44C5-B1AF-A9C5350E6E3F}" sibTransId="{6F7EF298-53EF-4454-AC1E-880D4781FE4B}"/>
+    <dgm:cxn modelId="{40003971-1276-4135-831D-3247D1DAA8D6}" type="presOf" srcId="{0C9171E9-B5F7-45C1-BF2B-D090F5BA1D88}" destId="{6F3011A6-CF49-4E21-A929-B173EED80749}" srcOrd="0" destOrd="0" presId="urn:microsoft.com/office/officeart/2018/5/layout/CenteredIconLabelDescriptionList"/>
+    <dgm:cxn modelId="{E0B19985-798D-401E-B024-2EF2EB4347AD}" srcId="{A375A130-AA3B-47E8-8BA8-46F95FE2B6C3}" destId="{5CEDD8F5-067F-4AC5-86A5-1813F40B6535}" srcOrd="0" destOrd="0" parTransId="{CECCD778-BC1C-49EF-BBF7-6A1FE5978CFE}" sibTransId="{129DBEB4-3A06-4A40-92F3-D31079E11789}"/>
+    <dgm:cxn modelId="{BC5BC89A-4998-478E-B542-E1F3E1833589}" srcId="{0A275781-1BF7-48E3-8396-860EE253AE4A}" destId="{B15C9866-98E6-4EBF-9B0E-C126A643B4FF}" srcOrd="0" destOrd="0" parTransId="{243F6935-8317-484E-8ED7-6405F973DE21}" sibTransId="{5791DC9A-C85B-4293-B94C-4F5478735305}"/>
+    <dgm:cxn modelId="{424D899B-0C8D-437A-BC98-C97A882E3F7E}" type="presOf" srcId="{8A76115A-C3C3-495F-8347-CB862EEB7E45}" destId="{9215D9AC-7A49-402B-9F01-84CD488D7BBA}" srcOrd="0" destOrd="1" presId="urn:microsoft.com/office/officeart/2018/5/layout/CenteredIconLabelDescriptionList"/>
+    <dgm:cxn modelId="{27AF1AAC-65A8-442C-AD8D-8907AF731023}" type="presOf" srcId="{0F3BBDBB-A7B3-4B82-9F6E-926BA9DD6D6A}" destId="{0C018561-102C-4F48-8542-634430AB6E07}" srcOrd="0" destOrd="0" presId="urn:microsoft.com/office/officeart/2018/5/layout/CenteredIconLabelDescriptionList"/>
+    <dgm:cxn modelId="{007150AD-F4A5-4F0C-8500-D9FA69C4B813}" type="presOf" srcId="{3E71140D-E928-4466-8087-4A3A81E55B3E}" destId="{30541D99-9355-406B-B10A-095D9F444E86}" srcOrd="0" destOrd="4" presId="urn:microsoft.com/office/officeart/2018/5/layout/CenteredIconLabelDescriptionList"/>
+    <dgm:cxn modelId="{ABABEBAE-8A40-4925-B246-0BBC36987587}" srcId="{0F3BBDBB-A7B3-4B82-9F6E-926BA9DD6D6A}" destId="{BAF7C324-8800-452E-8DE1-C1748AA6DBDA}" srcOrd="1" destOrd="0" parTransId="{4960BE11-3E6E-47B8-A28A-AF1A63D2FEF1}" sibTransId="{F75F0CF7-593A-4D1B-88F6-712FB378BD5E}"/>
+    <dgm:cxn modelId="{24122FBA-5A00-4839-B54E-86553D9A7506}" type="presOf" srcId="{EE36D119-5312-40AF-BA00-C34A02B04B75}" destId="{6F3011A6-CF49-4E21-A929-B173EED80749}" srcOrd="0" destOrd="2" presId="urn:microsoft.com/office/officeart/2018/5/layout/CenteredIconLabelDescriptionList"/>
+    <dgm:cxn modelId="{00F47EC6-A4FA-4B40-BAAC-FB04DF8C646E}" srcId="{5CEDD8F5-067F-4AC5-86A5-1813F40B6535}" destId="{5C1890F0-37D9-4F32-AB7C-95FA6E23BE72}" srcOrd="5" destOrd="0" parTransId="{BCE239DE-CA25-4DB6-9EAF-D6E636E6F208}" sibTransId="{B25A81DE-E830-47D0-B9E4-008ED25210FC}"/>
+    <dgm:cxn modelId="{7A036DD6-45C9-49A1-851A-9090A664475C}" type="presOf" srcId="{BA7A0818-ACA5-4E56-B3BF-3036A8678826}" destId="{30541D99-9355-406B-B10A-095D9F444E86}" srcOrd="0" destOrd="3" presId="urn:microsoft.com/office/officeart/2018/5/layout/CenteredIconLabelDescriptionList"/>
+    <dgm:cxn modelId="{A49C83E5-D1D4-47B1-BDD1-12EB391ECAFA}" type="presOf" srcId="{B15C9866-98E6-4EBF-9B0E-C126A643B4FF}" destId="{9215D9AC-7A49-402B-9F01-84CD488D7BBA}" srcOrd="0" destOrd="0" presId="urn:microsoft.com/office/officeart/2018/5/layout/CenteredIconLabelDescriptionList"/>
+    <dgm:cxn modelId="{A85417E9-1AD4-4A8A-9596-8D9B4984E4C3}" type="presOf" srcId="{EC6E48E7-67C0-4AEB-BDB2-5AE09E72A7F0}" destId="{6F3011A6-CF49-4E21-A929-B173EED80749}" srcOrd="0" destOrd="4" presId="urn:microsoft.com/office/officeart/2018/5/layout/CenteredIconLabelDescriptionList"/>
+    <dgm:cxn modelId="{B3C524EE-396A-4FC8-B07B-ED42A260F935}" srcId="{5CEDD8F5-067F-4AC5-86A5-1813F40B6535}" destId="{EE36D119-5312-40AF-BA00-C34A02B04B75}" srcOrd="2" destOrd="0" parTransId="{876E3A5A-6749-4F9C-9457-0AB69D17D382}" sibTransId="{DD49FCAC-1C56-4DFF-93F7-CEE7B16244B1}"/>
+    <dgm:cxn modelId="{D81018F1-5657-4C75-B097-21E522E4C49F}" type="presOf" srcId="{0A275781-1BF7-48E3-8396-860EE253AE4A}" destId="{7ED683EE-BFCC-4299-BD34-63CA1C0754DF}" srcOrd="0" destOrd="0" presId="urn:microsoft.com/office/officeart/2018/5/layout/CenteredIconLabelDescriptionList"/>
+    <dgm:cxn modelId="{20DE5CF3-6DF2-4903-8EA4-0CE24F8C7553}" srcId="{A375A130-AA3B-47E8-8BA8-46F95FE2B6C3}" destId="{0F3BBDBB-A7B3-4B82-9F6E-926BA9DD6D6A}" srcOrd="2" destOrd="0" parTransId="{C4BFD83A-A1FB-4928-AE2D-1013662D3D40}" sibTransId="{3A9FC0B9-9B81-4969-A98C-4DA4C07B0136}"/>
+    <dgm:cxn modelId="{42CB67FD-9D35-4C38-A3EA-9A734AAB1DA8}" srcId="{0F3BBDBB-A7B3-4B82-9F6E-926BA9DD6D6A}" destId="{86AA540D-E5C4-4C2B-B2B7-C9E4B643D389}" srcOrd="2" destOrd="0" parTransId="{61A0BE00-028C-4AEA-878B-A87DCABC230B}" sibTransId="{B03255EE-D444-4C7B-ABAA-DEAE34C25798}"/>
+    <dgm:cxn modelId="{78657F6C-B725-45FC-98B1-3899E45C6982}" type="presParOf" srcId="{4E5E00B1-9D35-4A11-8B2B-1A9152A92936}" destId="{8F040ECA-88F6-4CF5-80AE-09A69E002FF9}" srcOrd="0" destOrd="0" presId="urn:microsoft.com/office/officeart/2018/5/layout/CenteredIconLabelDescriptionList"/>
+    <dgm:cxn modelId="{8B068B8E-159E-4F60-BC3E-4FA9BD3E8883}" type="presParOf" srcId="{8F040ECA-88F6-4CF5-80AE-09A69E002FF9}" destId="{E7E3292F-53A6-498B-A981-9153084672D1}" srcOrd="0" destOrd="0" presId="urn:microsoft.com/office/officeart/2018/5/layout/CenteredIconLabelDescriptionList"/>
+    <dgm:cxn modelId="{868508B1-9712-4A71-8606-BEA123D303D5}" type="presParOf" srcId="{8F040ECA-88F6-4CF5-80AE-09A69E002FF9}" destId="{36E4F3C1-85BC-48FE-BF31-6DED967047C7}" srcOrd="1" destOrd="0" presId="urn:microsoft.com/office/officeart/2018/5/layout/CenteredIconLabelDescriptionList"/>
+    <dgm:cxn modelId="{7ADD4BFF-6977-47C7-AD17-5B1C40AA8372}" type="presParOf" srcId="{8F040ECA-88F6-4CF5-80AE-09A69E002FF9}" destId="{942419A5-1F82-4D80-B74C-4409A455AE72}" srcOrd="2" destOrd="0" presId="urn:microsoft.com/office/officeart/2018/5/layout/CenteredIconLabelDescriptionList"/>
+    <dgm:cxn modelId="{9D0F97A7-F3D7-491C-9764-61EC8EF81329}" type="presParOf" srcId="{8F040ECA-88F6-4CF5-80AE-09A69E002FF9}" destId="{40C7BC60-61CF-4B76-8555-5622A8333F2E}" srcOrd="3" destOrd="0" presId="urn:microsoft.com/office/officeart/2018/5/layout/CenteredIconLabelDescriptionList"/>
+    <dgm:cxn modelId="{09378544-98C3-4198-AC0A-586186C753C6}" type="presParOf" srcId="{8F040ECA-88F6-4CF5-80AE-09A69E002FF9}" destId="{6F3011A6-CF49-4E21-A929-B173EED80749}" srcOrd="4" destOrd="0" presId="urn:microsoft.com/office/officeart/2018/5/layout/CenteredIconLabelDescriptionList"/>
+    <dgm:cxn modelId="{1F030EE2-67F8-4C43-BDDF-1D193C4048AA}" type="presParOf" srcId="{4E5E00B1-9D35-4A11-8B2B-1A9152A92936}" destId="{96FDB0C1-E688-4A3D-9216-3BA72078DA08}" srcOrd="1" destOrd="0" presId="urn:microsoft.com/office/officeart/2018/5/layout/CenteredIconLabelDescriptionList"/>
+    <dgm:cxn modelId="{72AB7E93-3917-44E5-9449-AD4D451AA3AD}" type="presParOf" srcId="{4E5E00B1-9D35-4A11-8B2B-1A9152A92936}" destId="{B2A68C78-4A9F-4372-878D-070F2CA550DB}" srcOrd="2" destOrd="0" presId="urn:microsoft.com/office/officeart/2018/5/layout/CenteredIconLabelDescriptionList"/>
+    <dgm:cxn modelId="{55875F44-A894-42DF-AA5C-25C4E2DEF3CD}" type="presParOf" srcId="{B2A68C78-4A9F-4372-878D-070F2CA550DB}" destId="{D1EC2120-9045-4F73-B1D6-BB0ACC9CEB11}" srcOrd="0" destOrd="0" presId="urn:microsoft.com/office/officeart/2018/5/layout/CenteredIconLabelDescriptionList"/>
+    <dgm:cxn modelId="{6E95B94A-5ABC-4EC1-8AE6-C6A0805C32D2}" type="presParOf" srcId="{B2A68C78-4A9F-4372-878D-070F2CA550DB}" destId="{ECD718C8-6F0A-40E0-AC94-CF052A42ABE8}" srcOrd="1" destOrd="0" presId="urn:microsoft.com/office/officeart/2018/5/layout/CenteredIconLabelDescriptionList"/>
+    <dgm:cxn modelId="{641A15D4-3902-4E9A-B2F3-41344541D8E8}" type="presParOf" srcId="{B2A68C78-4A9F-4372-878D-070F2CA550DB}" destId="{7ED683EE-BFCC-4299-BD34-63CA1C0754DF}" srcOrd="2" destOrd="0" presId="urn:microsoft.com/office/officeart/2018/5/layout/CenteredIconLabelDescriptionList"/>
+    <dgm:cxn modelId="{AED756B5-652B-4EEE-B703-123F6E2702FF}" type="presParOf" srcId="{B2A68C78-4A9F-4372-878D-070F2CA550DB}" destId="{585C96EC-7C1A-4C16-A33E-B233D1F355A3}" srcOrd="3" destOrd="0" presId="urn:microsoft.com/office/officeart/2018/5/layout/CenteredIconLabelDescriptionList"/>
+    <dgm:cxn modelId="{182C5A8C-49FB-4C8E-82BC-50972858766B}" type="presParOf" srcId="{B2A68C78-4A9F-4372-878D-070F2CA550DB}" destId="{9215D9AC-7A49-402B-9F01-84CD488D7BBA}" srcOrd="4" destOrd="0" presId="urn:microsoft.com/office/officeart/2018/5/layout/CenteredIconLabelDescriptionList"/>
+    <dgm:cxn modelId="{6F9066E0-9087-4A92-B830-61CD118402A8}" type="presParOf" srcId="{4E5E00B1-9D35-4A11-8B2B-1A9152A92936}" destId="{286FDD42-B0FC-4F7B-A26A-67FEEBDCF60A}" srcOrd="3" destOrd="0" presId="urn:microsoft.com/office/officeart/2018/5/layout/CenteredIconLabelDescriptionList"/>
+    <dgm:cxn modelId="{24D63F9F-16DB-424F-8A57-BC4D9ED4A587}" type="presParOf" srcId="{4E5E00B1-9D35-4A11-8B2B-1A9152A92936}" destId="{C11E7B91-6E05-480C-BFA3-5D6B4271B170}" srcOrd="4" destOrd="0" presId="urn:microsoft.com/office/officeart/2018/5/layout/CenteredIconLabelDescriptionList"/>
+    <dgm:cxn modelId="{D0F16357-81B4-46BB-8E8C-05B0DFC87471}" type="presParOf" srcId="{C11E7B91-6E05-480C-BFA3-5D6B4271B170}" destId="{FD92FE17-22B3-43C2-83BE-7219C300B2B8}" srcOrd="0" destOrd="0" presId="urn:microsoft.com/office/officeart/2018/5/layout/CenteredIconLabelDescriptionList"/>
+    <dgm:cxn modelId="{62A3FAC2-7325-42A1-891C-5208350127C0}" type="presParOf" srcId="{C11E7B91-6E05-480C-BFA3-5D6B4271B170}" destId="{18B56A77-D92A-41C9-B0FA-1BE3293A5297}" srcOrd="1" destOrd="0" presId="urn:microsoft.com/office/officeart/2018/5/layout/CenteredIconLabelDescriptionList"/>
+    <dgm:cxn modelId="{1D2EBA5A-E2E5-40F0-B335-58D673CF9636}" type="presParOf" srcId="{C11E7B91-6E05-480C-BFA3-5D6B4271B170}" destId="{0C018561-102C-4F48-8542-634430AB6E07}" srcOrd="2" destOrd="0" presId="urn:microsoft.com/office/officeart/2018/5/layout/CenteredIconLabelDescriptionList"/>
+    <dgm:cxn modelId="{9DE4D93C-38F1-4C6D-B2F4-C251F9229917}" type="presParOf" srcId="{C11E7B91-6E05-480C-BFA3-5D6B4271B170}" destId="{9C1E8BF1-8F02-428D-AE88-97DBD5E49171}" srcOrd="3" destOrd="0" presId="urn:microsoft.com/office/officeart/2018/5/layout/CenteredIconLabelDescriptionList"/>
+    <dgm:cxn modelId="{26ECFC60-E17E-4B90-80F1-6B2BF5DD1706}" type="presParOf" srcId="{C11E7B91-6E05-480C-BFA3-5D6B4271B170}" destId="{30541D99-9355-406B-B10A-095D9F444E86}" srcOrd="4" destOrd="0" presId="urn:microsoft.com/office/officeart/2018/5/layout/CenteredIconLabelDescriptionList"/>
+  </dgm:cxnLst>
+  <dgm:bg/>
+  <dgm:whole/>
+  <dgm:extLst>
+    <a:ext uri="http://schemas.microsoft.com/office/drawing/2008/diagram">
+      <dsp:dataModelExt xmlns:dsp="http://schemas.microsoft.com/office/drawing/2008/diagram" relId="rId6" minVer="http://schemas.openxmlformats.org/drawingml/2006/diagram"/>
+    </a:ext>
+  </dgm:extLst>
+</dgm:dataModel>
+</file>
+
+<file path=ppt/diagrams/drawing1.xml><?xml version="1.0" encoding="utf-8"?>
+<dsp:drawing xmlns:dgm="http://schemas.openxmlformats.org/drawingml/2006/diagram" xmlns:dsp="http://schemas.microsoft.com/office/drawing/2008/diagram" xmlns:a="http://schemas.openxmlformats.org/drawingml/2006/main">
+  <dsp:spTree>
+    <dsp:nvGrpSpPr>
+      <dsp:cNvPr id="0" name=""/>
+      <dsp:cNvGrpSpPr/>
+    </dsp:nvGrpSpPr>
+    <dsp:grpSpPr/>
+    <dsp:sp modelId="{E7E3292F-53A6-498B-A981-9153084672D1}">
+      <dsp:nvSpPr>
+        <dsp:cNvPr id="0" name=""/>
+        <dsp:cNvSpPr/>
+      </dsp:nvSpPr>
+      <dsp:spPr>
+        <a:xfrm>
+          <a:off x="8664831" y="0"/>
+          <a:ext cx="1128467" cy="1035233"/>
+        </a:xfrm>
+        <a:prstGeom prst="rect">
+          <a:avLst/>
+        </a:prstGeom>
+        <a:blipFill>
+          <a:blip xmlns:r="http://schemas.openxmlformats.org/officeDocument/2006/relationships" r:embed="rId1">
+            <a:extLst>
+              <a:ext uri="{28A0092B-C50C-407E-A947-70E740481C1C}">
+                <a14:useLocalDpi xmlns:a14="http://schemas.microsoft.com/office/drawing/2010/main" val="0"/>
+              </a:ext>
+              <a:ext uri="{96DAC541-7B7A-43D3-8B79-37D633B846F1}">
+                <asvg:svgBlip xmlns:asvg="http://schemas.microsoft.com/office/drawing/2016/SVG/main" r:embed="rId2"/>
+              </a:ext>
+            </a:extLst>
+          </a:blip>
+          <a:stretch>
+            <a:fillRect/>
+          </a:stretch>
+        </a:blipFill>
+        <a:ln w="12700" cap="flat" cmpd="sng" algn="ctr">
+          <a:noFill/>
+          <a:prstDash val="solid"/>
+        </a:ln>
+        <a:effectLst/>
+      </dsp:spPr>
+      <dsp:style>
+        <a:lnRef idx="2">
+          <a:scrgbClr r="0" g="0" b="0"/>
+        </a:lnRef>
+        <a:fillRef idx="1">
+          <a:scrgbClr r="0" g="0" b="0"/>
+        </a:fillRef>
+        <a:effectRef idx="0">
+          <a:scrgbClr r="0" g="0" b="0"/>
+        </a:effectRef>
+        <a:fontRef idx="minor">
+          <a:schemeClr val="lt1"/>
+        </a:fontRef>
+      </dsp:style>
+    </dsp:sp>
+    <dsp:sp modelId="{942419A5-1F82-4D80-B74C-4409A455AE72}">
+      <dsp:nvSpPr>
+        <dsp:cNvPr id="0" name=""/>
+        <dsp:cNvSpPr/>
+      </dsp:nvSpPr>
+      <dsp:spPr>
+        <a:xfrm>
+          <a:off x="9678" y="1174484"/>
+          <a:ext cx="3224192" cy="443671"/>
+        </a:xfrm>
+        <a:prstGeom prst="rect">
+          <a:avLst/>
+        </a:prstGeom>
+        <a:noFill/>
+        <a:ln>
+          <a:noFill/>
+        </a:ln>
+        <a:effectLst/>
+      </dsp:spPr>
+      <dsp:style>
+        <a:lnRef idx="0">
+          <a:scrgbClr r="0" g="0" b="0"/>
+        </a:lnRef>
+        <a:fillRef idx="0">
+          <a:scrgbClr r="0" g="0" b="0"/>
+        </a:fillRef>
+        <a:effectRef idx="0">
+          <a:scrgbClr r="0" g="0" b="0"/>
+        </a:effectRef>
+        <a:fontRef idx="minor"/>
+      </dsp:style>
+      <dsp:txBody>
+        <a:bodyPr spcFirstLastPara="0" vert="horz" wrap="square" lIns="0" tIns="0" rIns="0" bIns="0" numCol="1" spcCol="1270" anchor="t" anchorCtr="0">
+          <a:noAutofit/>
+        </a:bodyPr>
+        <a:lstStyle/>
+        <a:p>
+          <a:pPr marL="0" lvl="0" indent="0" algn="ctr" defTabSz="933450">
+            <a:lnSpc>
+              <a:spcPct val="90000"/>
+            </a:lnSpc>
+            <a:spcBef>
+              <a:spcPct val="0"/>
+            </a:spcBef>
+            <a:spcAft>
+              <a:spcPct val="35000"/>
+            </a:spcAft>
+            <a:buNone/>
+            <a:defRPr b="1"/>
+          </a:pPr>
+          <a:r>
+            <a:rPr lang="en-CA" sz="2100" kern="1200"/>
+            <a:t>Completed Mechanics</a:t>
+          </a:r>
+          <a:endParaRPr lang="en-US" sz="2100" kern="1200"/>
+        </a:p>
+      </dsp:txBody>
+      <dsp:txXfrm>
+        <a:off x="9678" y="1174484"/>
+        <a:ext cx="3224192" cy="443671"/>
+      </dsp:txXfrm>
+    </dsp:sp>
+    <dsp:sp modelId="{6F3011A6-CF49-4E21-A929-B173EED80749}">
+      <dsp:nvSpPr>
+        <dsp:cNvPr id="0" name=""/>
+        <dsp:cNvSpPr/>
+      </dsp:nvSpPr>
+      <dsp:spPr>
+        <a:xfrm>
+          <a:off x="9678" y="1682924"/>
+          <a:ext cx="3224192" cy="1847137"/>
+        </a:xfrm>
+        <a:prstGeom prst="rect">
+          <a:avLst/>
+        </a:prstGeom>
+        <a:noFill/>
+        <a:ln>
+          <a:noFill/>
+        </a:ln>
+        <a:effectLst/>
+      </dsp:spPr>
+      <dsp:style>
+        <a:lnRef idx="0">
+          <a:scrgbClr r="0" g="0" b="0"/>
+        </a:lnRef>
+        <a:fillRef idx="0">
+          <a:scrgbClr r="0" g="0" b="0"/>
+        </a:fillRef>
+        <a:effectRef idx="0">
+          <a:scrgbClr r="0" g="0" b="0"/>
+        </a:effectRef>
+        <a:fontRef idx="minor"/>
+      </dsp:style>
+      <dsp:txBody>
+        <a:bodyPr spcFirstLastPara="0" vert="horz" wrap="square" lIns="0" tIns="0" rIns="0" bIns="0" numCol="1" spcCol="1270" anchor="t" anchorCtr="0">
+          <a:noAutofit/>
+        </a:bodyPr>
+        <a:lstStyle/>
+        <a:p>
+          <a:pPr marL="0" lvl="0" indent="0" algn="ctr" defTabSz="711200">
+            <a:lnSpc>
+              <a:spcPct val="90000"/>
+            </a:lnSpc>
+            <a:spcBef>
+              <a:spcPct val="0"/>
+            </a:spcBef>
+            <a:spcAft>
+              <a:spcPct val="35000"/>
+            </a:spcAft>
+            <a:buNone/>
+          </a:pPr>
+          <a:r>
+            <a:rPr lang="en-CA" sz="1600" kern="1200"/>
+            <a:t>Platforming</a:t>
+          </a:r>
+          <a:endParaRPr lang="en-US" sz="1600" kern="1200"/>
+        </a:p>
+        <a:p>
+          <a:pPr marL="0" lvl="0" indent="0" algn="ctr" defTabSz="711200">
+            <a:lnSpc>
+              <a:spcPct val="90000"/>
+            </a:lnSpc>
+            <a:spcBef>
+              <a:spcPct val="0"/>
+            </a:spcBef>
+            <a:spcAft>
+              <a:spcPct val="35000"/>
+            </a:spcAft>
+            <a:buNone/>
+          </a:pPr>
+          <a:r>
+            <a:rPr lang="en-CA" sz="1600" kern="1200"/>
+            <a:t>Ladders</a:t>
+          </a:r>
+          <a:endParaRPr lang="en-US" sz="1600" kern="1200"/>
+        </a:p>
+        <a:p>
+          <a:pPr marL="0" lvl="0" indent="0" algn="ctr" defTabSz="711200">
+            <a:lnSpc>
+              <a:spcPct val="90000"/>
+            </a:lnSpc>
+            <a:spcBef>
+              <a:spcPct val="0"/>
+            </a:spcBef>
+            <a:spcAft>
+              <a:spcPct val="35000"/>
+            </a:spcAft>
+            <a:buNone/>
+          </a:pPr>
+          <a:r>
+            <a:rPr lang="en-CA" sz="1600" kern="1200"/>
+            <a:t>Iron and Steel Abilities</a:t>
+          </a:r>
+          <a:endParaRPr lang="en-US" sz="1600" kern="1200"/>
+        </a:p>
+        <a:p>
+          <a:pPr marL="0" lvl="0" indent="0" algn="ctr" defTabSz="711200">
+            <a:lnSpc>
+              <a:spcPct val="90000"/>
+            </a:lnSpc>
+            <a:spcBef>
+              <a:spcPct val="0"/>
+            </a:spcBef>
+            <a:spcAft>
+              <a:spcPct val="35000"/>
+            </a:spcAft>
+            <a:buNone/>
+          </a:pPr>
+          <a:r>
+            <a:rPr lang="en-CA" sz="1600" kern="1200"/>
+            <a:t>Regular Enemies (Bandits)</a:t>
+          </a:r>
+          <a:endParaRPr lang="en-US" sz="1600" kern="1200"/>
+        </a:p>
+        <a:p>
+          <a:pPr marL="0" lvl="0" indent="0" algn="ctr" defTabSz="711200">
+            <a:lnSpc>
+              <a:spcPct val="90000"/>
+            </a:lnSpc>
+            <a:spcBef>
+              <a:spcPct val="0"/>
+            </a:spcBef>
+            <a:spcAft>
+              <a:spcPct val="35000"/>
+            </a:spcAft>
+            <a:buNone/>
+          </a:pPr>
+          <a:r>
+            <a:rPr lang="en-CA" sz="1600" kern="1200"/>
+            <a:t>Combat with Pushing and Pulling</a:t>
+          </a:r>
+          <a:endParaRPr lang="en-US" sz="1600" kern="1200"/>
+        </a:p>
+        <a:p>
+          <a:pPr marL="0" lvl="0" indent="0" algn="ctr" defTabSz="711200">
+            <a:lnSpc>
+              <a:spcPct val="90000"/>
+            </a:lnSpc>
+            <a:spcBef>
+              <a:spcPct val="0"/>
+            </a:spcBef>
+            <a:spcAft>
+              <a:spcPct val="35000"/>
+            </a:spcAft>
+            <a:buNone/>
+          </a:pPr>
+          <a:r>
+            <a:rPr lang="en-CA" sz="1600" kern="1200"/>
+            <a:t>Level 1 Layout</a:t>
+          </a:r>
+          <a:endParaRPr lang="en-US" sz="1600" kern="1200"/>
+        </a:p>
+      </dsp:txBody>
+      <dsp:txXfrm>
+        <a:off x="9678" y="1682924"/>
+        <a:ext cx="3224192" cy="1847137"/>
+      </dsp:txXfrm>
+    </dsp:sp>
+    <dsp:sp modelId="{D1EC2120-9045-4F73-B1D6-BB0ACC9CEB11}">
+      <dsp:nvSpPr>
+        <dsp:cNvPr id="0" name=""/>
+        <dsp:cNvSpPr/>
+      </dsp:nvSpPr>
+      <dsp:spPr>
+        <a:xfrm>
+          <a:off x="4845966" y="0"/>
+          <a:ext cx="1128467" cy="1035233"/>
+        </a:xfrm>
+        <a:prstGeom prst="rect">
+          <a:avLst/>
+        </a:prstGeom>
+        <a:blipFill>
+          <a:blip xmlns:r="http://schemas.openxmlformats.org/officeDocument/2006/relationships" r:embed="rId3">
+            <a:extLst>
+              <a:ext uri="{28A0092B-C50C-407E-A947-70E740481C1C}">
+                <a14:useLocalDpi xmlns:a14="http://schemas.microsoft.com/office/drawing/2010/main" val="0"/>
+              </a:ext>
+              <a:ext uri="{96DAC541-7B7A-43D3-8B79-37D633B846F1}">
+                <asvg:svgBlip xmlns:asvg="http://schemas.microsoft.com/office/drawing/2016/SVG/main" r:embed="rId4"/>
+              </a:ext>
+            </a:extLst>
+          </a:blip>
+          <a:stretch>
+            <a:fillRect/>
+          </a:stretch>
+        </a:blipFill>
+        <a:ln w="12700" cap="flat" cmpd="sng" algn="ctr">
+          <a:noFill/>
+          <a:prstDash val="solid"/>
+        </a:ln>
+        <a:effectLst/>
+      </dsp:spPr>
+      <dsp:style>
+        <a:lnRef idx="2">
+          <a:scrgbClr r="0" g="0" b="0"/>
+        </a:lnRef>
+        <a:fillRef idx="1">
+          <a:scrgbClr r="0" g="0" b="0"/>
+        </a:fillRef>
+        <a:effectRef idx="0">
+          <a:scrgbClr r="0" g="0" b="0"/>
+        </a:effectRef>
+        <a:fontRef idx="minor">
+          <a:schemeClr val="lt1"/>
+        </a:fontRef>
+      </dsp:style>
+    </dsp:sp>
+    <dsp:sp modelId="{7ED683EE-BFCC-4299-BD34-63CA1C0754DF}">
+      <dsp:nvSpPr>
+        <dsp:cNvPr id="0" name=""/>
+        <dsp:cNvSpPr/>
+      </dsp:nvSpPr>
+      <dsp:spPr>
+        <a:xfrm>
+          <a:off x="3798103" y="1174484"/>
+          <a:ext cx="3224192" cy="443671"/>
+        </a:xfrm>
+        <a:prstGeom prst="rect">
+          <a:avLst/>
+        </a:prstGeom>
+        <a:noFill/>
+        <a:ln>
+          <a:noFill/>
+        </a:ln>
+        <a:effectLst/>
+      </dsp:spPr>
+      <dsp:style>
+        <a:lnRef idx="0">
+          <a:scrgbClr r="0" g="0" b="0"/>
+        </a:lnRef>
+        <a:fillRef idx="0">
+          <a:scrgbClr r="0" g="0" b="0"/>
+        </a:fillRef>
+        <a:effectRef idx="0">
+          <a:scrgbClr r="0" g="0" b="0"/>
+        </a:effectRef>
+        <a:fontRef idx="minor"/>
+      </dsp:style>
+      <dsp:txBody>
+        <a:bodyPr spcFirstLastPara="0" vert="horz" wrap="square" lIns="0" tIns="0" rIns="0" bIns="0" numCol="1" spcCol="1270" anchor="t" anchorCtr="0">
+          <a:noAutofit/>
+        </a:bodyPr>
+        <a:lstStyle/>
+        <a:p>
+          <a:pPr marL="0" lvl="0" indent="0" algn="ctr" defTabSz="933450">
+            <a:lnSpc>
+              <a:spcPct val="90000"/>
+            </a:lnSpc>
+            <a:spcBef>
+              <a:spcPct val="0"/>
+            </a:spcBef>
+            <a:spcAft>
+              <a:spcPct val="35000"/>
+            </a:spcAft>
+            <a:buNone/>
+            <a:defRPr b="1"/>
+          </a:pPr>
+          <a:r>
+            <a:rPr lang="en-CA" sz="2100" kern="1200"/>
+            <a:t>In Progress Mechanics</a:t>
+          </a:r>
+          <a:endParaRPr lang="en-US" sz="2100" kern="1200"/>
+        </a:p>
+      </dsp:txBody>
+      <dsp:txXfrm>
+        <a:off x="3798103" y="1174484"/>
+        <a:ext cx="3224192" cy="443671"/>
+      </dsp:txXfrm>
+    </dsp:sp>
+    <dsp:sp modelId="{9215D9AC-7A49-402B-9F01-84CD488D7BBA}">
+      <dsp:nvSpPr>
+        <dsp:cNvPr id="0" name=""/>
+        <dsp:cNvSpPr/>
+      </dsp:nvSpPr>
+      <dsp:spPr>
+        <a:xfrm>
+          <a:off x="3798103" y="1682924"/>
+          <a:ext cx="3224192" cy="1847137"/>
+        </a:xfrm>
+        <a:prstGeom prst="rect">
+          <a:avLst/>
+        </a:prstGeom>
+        <a:noFill/>
+        <a:ln>
+          <a:noFill/>
+        </a:ln>
+        <a:effectLst/>
+      </dsp:spPr>
+      <dsp:style>
+        <a:lnRef idx="0">
+          <a:scrgbClr r="0" g="0" b="0"/>
+        </a:lnRef>
+        <a:fillRef idx="0">
+          <a:scrgbClr r="0" g="0" b="0"/>
+        </a:fillRef>
+        <a:effectRef idx="0">
+          <a:scrgbClr r="0" g="0" b="0"/>
+        </a:effectRef>
+        <a:fontRef idx="minor"/>
+      </dsp:style>
+      <dsp:txBody>
+        <a:bodyPr spcFirstLastPara="0" vert="horz" wrap="square" lIns="0" tIns="0" rIns="0" bIns="0" numCol="1" spcCol="1270" anchor="t" anchorCtr="0">
+          <a:noAutofit/>
+        </a:bodyPr>
+        <a:lstStyle/>
+        <a:p>
+          <a:pPr marL="0" lvl="0" indent="0" algn="ctr" defTabSz="711200">
+            <a:lnSpc>
+              <a:spcPct val="90000"/>
+            </a:lnSpc>
+            <a:spcBef>
+              <a:spcPct val="0"/>
+            </a:spcBef>
+            <a:spcAft>
+              <a:spcPct val="35000"/>
+            </a:spcAft>
+            <a:buNone/>
+          </a:pPr>
+          <a:r>
+            <a:rPr lang="en-CA" sz="1600" kern="1200"/>
+            <a:t>Pewter Ability</a:t>
+          </a:r>
+          <a:endParaRPr lang="en-US" sz="1600" kern="1200"/>
+        </a:p>
+        <a:p>
+          <a:pPr marL="0" lvl="0" indent="0" algn="ctr" defTabSz="711200">
+            <a:lnSpc>
+              <a:spcPct val="90000"/>
+            </a:lnSpc>
+            <a:spcBef>
+              <a:spcPct val="0"/>
+            </a:spcBef>
+            <a:spcAft>
+              <a:spcPct val="35000"/>
+            </a:spcAft>
+            <a:buNone/>
+          </a:pPr>
+          <a:r>
+            <a:rPr lang="en-CA" sz="1600" kern="1200"/>
+            <a:t>Sound Design</a:t>
+          </a:r>
+          <a:endParaRPr lang="en-US" sz="1600" kern="1200"/>
+        </a:p>
+      </dsp:txBody>
+      <dsp:txXfrm>
+        <a:off x="3798103" y="1682924"/>
+        <a:ext cx="3224192" cy="1847137"/>
+      </dsp:txXfrm>
+    </dsp:sp>
+    <dsp:sp modelId="{FD92FE17-22B3-43C2-83BE-7219C300B2B8}">
+      <dsp:nvSpPr>
+        <dsp:cNvPr id="0" name=""/>
+        <dsp:cNvSpPr/>
+      </dsp:nvSpPr>
+      <dsp:spPr>
+        <a:xfrm>
+          <a:off x="963591" y="63501"/>
+          <a:ext cx="1128467" cy="1035233"/>
+        </a:xfrm>
+        <a:prstGeom prst="rect">
+          <a:avLst/>
+        </a:prstGeom>
+        <a:blipFill>
+          <a:blip xmlns:r="http://schemas.openxmlformats.org/officeDocument/2006/relationships" r:embed="rId5">
+            <a:extLst>
+              <a:ext uri="{28A0092B-C50C-407E-A947-70E740481C1C}">
+                <a14:useLocalDpi xmlns:a14="http://schemas.microsoft.com/office/drawing/2010/main" val="0"/>
+              </a:ext>
+              <a:ext uri="{96DAC541-7B7A-43D3-8B79-37D633B846F1}">
+                <asvg:svgBlip xmlns:asvg="http://schemas.microsoft.com/office/drawing/2016/SVG/main" r:embed="rId6"/>
+              </a:ext>
+            </a:extLst>
+          </a:blip>
+          <a:stretch>
+            <a:fillRect/>
+          </a:stretch>
+        </a:blipFill>
+        <a:ln w="12700" cap="flat" cmpd="sng" algn="ctr">
+          <a:noFill/>
+          <a:prstDash val="solid"/>
+        </a:ln>
+        <a:effectLst/>
+      </dsp:spPr>
+      <dsp:style>
+        <a:lnRef idx="2">
+          <a:scrgbClr r="0" g="0" b="0"/>
+        </a:lnRef>
+        <a:fillRef idx="1">
+          <a:scrgbClr r="0" g="0" b="0"/>
+        </a:fillRef>
+        <a:effectRef idx="0">
+          <a:scrgbClr r="0" g="0" b="0"/>
+        </a:effectRef>
+        <a:fontRef idx="minor">
+          <a:schemeClr val="lt1"/>
+        </a:fontRef>
+      </dsp:style>
+    </dsp:sp>
+    <dsp:sp modelId="{0C018561-102C-4F48-8542-634430AB6E07}">
+      <dsp:nvSpPr>
+        <dsp:cNvPr id="0" name=""/>
+        <dsp:cNvSpPr/>
+      </dsp:nvSpPr>
+      <dsp:spPr>
+        <a:xfrm>
+          <a:off x="7586529" y="1174484"/>
+          <a:ext cx="3224192" cy="443671"/>
+        </a:xfrm>
+        <a:prstGeom prst="rect">
+          <a:avLst/>
+        </a:prstGeom>
+        <a:noFill/>
+        <a:ln>
+          <a:noFill/>
+        </a:ln>
+        <a:effectLst/>
+      </dsp:spPr>
+      <dsp:style>
+        <a:lnRef idx="0">
+          <a:scrgbClr r="0" g="0" b="0"/>
+        </a:lnRef>
+        <a:fillRef idx="0">
+          <a:scrgbClr r="0" g="0" b="0"/>
+        </a:fillRef>
+        <a:effectRef idx="0">
+          <a:scrgbClr r="0" g="0" b="0"/>
+        </a:effectRef>
+        <a:fontRef idx="minor"/>
+      </dsp:style>
+      <dsp:txBody>
+        <a:bodyPr spcFirstLastPara="0" vert="horz" wrap="square" lIns="0" tIns="0" rIns="0" bIns="0" numCol="1" spcCol="1270" anchor="t" anchorCtr="0">
+          <a:noAutofit/>
+        </a:bodyPr>
+        <a:lstStyle/>
+        <a:p>
+          <a:pPr marL="0" lvl="0" indent="0" algn="ctr" defTabSz="933450">
+            <a:lnSpc>
+              <a:spcPct val="90000"/>
+            </a:lnSpc>
+            <a:spcBef>
+              <a:spcPct val="0"/>
+            </a:spcBef>
+            <a:spcAft>
+              <a:spcPct val="35000"/>
+            </a:spcAft>
+            <a:buNone/>
+            <a:defRPr b="1"/>
+          </a:pPr>
+          <a:r>
+            <a:rPr lang="en-CA" sz="2100" kern="1200"/>
+            <a:t>Mechanics to Complete</a:t>
+          </a:r>
+          <a:endParaRPr lang="en-US" sz="2100" kern="1200"/>
+        </a:p>
+      </dsp:txBody>
+      <dsp:txXfrm>
+        <a:off x="7586529" y="1174484"/>
+        <a:ext cx="3224192" cy="443671"/>
+      </dsp:txXfrm>
+    </dsp:sp>
+    <dsp:sp modelId="{30541D99-9355-406B-B10A-095D9F444E86}">
+      <dsp:nvSpPr>
+        <dsp:cNvPr id="0" name=""/>
+        <dsp:cNvSpPr/>
+      </dsp:nvSpPr>
+      <dsp:spPr>
+        <a:xfrm>
+          <a:off x="7586529" y="1682924"/>
+          <a:ext cx="3224192" cy="1847137"/>
+        </a:xfrm>
+        <a:prstGeom prst="rect">
+          <a:avLst/>
+        </a:prstGeom>
+        <a:noFill/>
+        <a:ln>
+          <a:noFill/>
+        </a:ln>
+        <a:effectLst/>
+      </dsp:spPr>
+      <dsp:style>
+        <a:lnRef idx="0">
+          <a:scrgbClr r="0" g="0" b="0"/>
+        </a:lnRef>
+        <a:fillRef idx="0">
+          <a:scrgbClr r="0" g="0" b="0"/>
+        </a:fillRef>
+        <a:effectRef idx="0">
+          <a:scrgbClr r="0" g="0" b="0"/>
+        </a:effectRef>
+        <a:fontRef idx="minor"/>
+      </dsp:style>
+      <dsp:txBody>
+        <a:bodyPr spcFirstLastPara="0" vert="horz" wrap="square" lIns="0" tIns="0" rIns="0" bIns="0" numCol="1" spcCol="1270" anchor="t" anchorCtr="0">
+          <a:noAutofit/>
+        </a:bodyPr>
+        <a:lstStyle/>
+        <a:p>
+          <a:pPr marL="0" lvl="0" indent="0" algn="ctr" defTabSz="711200">
+            <a:lnSpc>
+              <a:spcPct val="90000"/>
+            </a:lnSpc>
+            <a:spcBef>
+              <a:spcPct val="0"/>
+            </a:spcBef>
+            <a:spcAft>
+              <a:spcPct val="35000"/>
+            </a:spcAft>
+            <a:buNone/>
+          </a:pPr>
+          <a:r>
+            <a:rPr lang="en-CA" sz="1600" kern="1200"/>
+            <a:t>Ranged Enemy</a:t>
+          </a:r>
+          <a:endParaRPr lang="en-US" sz="1600" kern="1200"/>
+        </a:p>
+        <a:p>
+          <a:pPr marL="0" lvl="0" indent="0" algn="ctr" defTabSz="711200">
+            <a:lnSpc>
+              <a:spcPct val="90000"/>
+            </a:lnSpc>
+            <a:spcBef>
+              <a:spcPct val="0"/>
+            </a:spcBef>
+            <a:spcAft>
+              <a:spcPct val="35000"/>
+            </a:spcAft>
+            <a:buNone/>
+          </a:pPr>
+          <a:r>
+            <a:rPr lang="en-CA" sz="1600" kern="1200"/>
+            <a:t>Highlighting Interactables</a:t>
+          </a:r>
+          <a:endParaRPr lang="en-US" sz="1600" kern="1200"/>
+        </a:p>
+        <a:p>
+          <a:pPr marL="0" lvl="0" indent="0" algn="ctr" defTabSz="711200">
+            <a:lnSpc>
+              <a:spcPct val="90000"/>
+            </a:lnSpc>
+            <a:spcBef>
+              <a:spcPct val="0"/>
+            </a:spcBef>
+            <a:spcAft>
+              <a:spcPct val="35000"/>
+            </a:spcAft>
+            <a:buNone/>
+          </a:pPr>
+          <a:r>
+            <a:rPr lang="en-CA" sz="1600" kern="1200"/>
+            <a:t>Koloss Enemy</a:t>
+          </a:r>
+          <a:endParaRPr lang="en-US" sz="1600" kern="1200"/>
+        </a:p>
+        <a:p>
+          <a:pPr marL="0" lvl="0" indent="0" algn="ctr" defTabSz="711200">
+            <a:lnSpc>
+              <a:spcPct val="90000"/>
+            </a:lnSpc>
+            <a:spcBef>
+              <a:spcPct val="0"/>
+            </a:spcBef>
+            <a:spcAft>
+              <a:spcPct val="35000"/>
+            </a:spcAft>
+            <a:buNone/>
+          </a:pPr>
+          <a:r>
+            <a:rPr lang="en-CA" sz="1600" kern="1200"/>
+            <a:t>Boss Fight</a:t>
+          </a:r>
+          <a:endParaRPr lang="en-US" sz="1600" kern="1200"/>
+        </a:p>
+        <a:p>
+          <a:pPr marL="0" lvl="0" indent="0" algn="ctr" defTabSz="711200">
+            <a:lnSpc>
+              <a:spcPct val="90000"/>
+            </a:lnSpc>
+            <a:spcBef>
+              <a:spcPct val="0"/>
+            </a:spcBef>
+            <a:spcAft>
+              <a:spcPct val="35000"/>
+            </a:spcAft>
+            <a:buNone/>
+          </a:pPr>
+          <a:r>
+            <a:rPr lang="en-CA" sz="1600" kern="1200"/>
+            <a:t>Level 2 Layout</a:t>
+          </a:r>
+          <a:endParaRPr lang="en-US" sz="1600" kern="1200"/>
+        </a:p>
+        <a:p>
+          <a:pPr marL="0" lvl="0" indent="0" algn="ctr" defTabSz="711200">
+            <a:lnSpc>
+              <a:spcPct val="90000"/>
+            </a:lnSpc>
+            <a:spcBef>
+              <a:spcPct val="0"/>
+            </a:spcBef>
+            <a:spcAft>
+              <a:spcPct val="35000"/>
+            </a:spcAft>
+            <a:buNone/>
+          </a:pPr>
+          <a:r>
+            <a:rPr lang="en-CA" sz="1600" kern="1200"/>
+            <a:t>Boss Level Layout</a:t>
+          </a:r>
+          <a:endParaRPr lang="en-US" sz="1600" kern="1200"/>
+        </a:p>
+      </dsp:txBody>
+      <dsp:txXfrm>
+        <a:off x="7586529" y="1682924"/>
+        <a:ext cx="3224192" cy="1847137"/>
+      </dsp:txXfrm>
+    </dsp:sp>
+  </dsp:spTree>
+</dsp:drawing>
+</file>
+
+<file path=ppt/diagrams/layout1.xml><?xml version="1.0" encoding="utf-8"?>
+<dgm:layoutDef xmlns:dgm="http://schemas.openxmlformats.org/drawingml/2006/diagram" xmlns:a="http://schemas.openxmlformats.org/drawingml/2006/main" uniqueId="urn:microsoft.com/office/officeart/2018/5/layout/CenteredIconLabelDescriptionList">
+  <dgm:title val="Centered Icon Label Description List"/>
+  <dgm:desc val="Use to show non-sequential or grouped chunks of information. The placeholder holds an icon or small picture, and corresponding text boxes show Level 1 and Level 2 text respectively. Works well for minimal Level 1 text accompanied by lengthier Level two text."/>
+  <dgm:catLst>
+    <dgm:cat type="icon" pri="500"/>
+  </dgm:catLst>
+  <dgm:sampData useDef="1">
+    <dgm:dataModel>
+      <dgm:ptLst/>
+      <dgm:bg/>
+      <dgm:whole/>
+    </dgm:dataModel>
+  </dgm:sampData>
+  <dgm:styleData useDef="1">
+    <dgm:dataModel>
+      <dgm:ptLst/>
+      <dgm:bg/>
+      <dgm:whole/>
+    </dgm:dataModel>
+  </dgm:styleData>
+  <dgm:clrData useDef="1">
+    <dgm:dataModel>
+      <dgm:ptLst/>
+      <dgm:bg/>
+      <dgm:whole/>
+    </dgm:dataModel>
+  </dgm:clrData>
+  <dgm:layoutNode name="root">
+    <dgm:varLst>
+      <dgm:dir/>
+      <dgm:resizeHandles val="exact"/>
+    </dgm:varLst>
+    <dgm:choose name="Name0">
+      <dgm:if name="Name1" axis="self" func="var" arg="dir" op="equ" val="norm">
+        <dgm:alg type="lin"/>
+      </dgm:if>
+      <dgm:else name="Name2">
+        <dgm:alg type="lin">
+          <dgm:param type="linDir" val="fromR"/>
+        </dgm:alg>
+      </dgm:else>
+    </dgm:choose>
+    <dgm:shape xmlns:r="http://schemas.openxmlformats.org/officeDocument/2006/relationships" r:blip="">
+      <dgm:adjLst/>
+    </dgm:shape>
+    <dgm:presOf/>
+    <dgm:constrLst>
+      <dgm:constr type="h" for="ch" forName="compNode" refType="h" fact="0.45"/>
+      <dgm:constr type="w" for="ch" forName="compNode" val="120"/>
+      <dgm:constr type="w" for="ch" forName="sibTrans" refType="w" refFor="ch" refForName="compNode" fact="0.175"/>
+      <dgm:constr type="primFontSz" for="des" forName="parTx" val="36"/>
+      <dgm:constr type="primFontSz" for="des" forName="desTx" refType="primFontSz" refFor="des" refForName="parTx" op="lte" fact="0.75"/>
+      <dgm:constr type="h" for="des" forName="compNode" op="equ"/>
+      <dgm:constr type="h" for="des" forName="iconRect" op="equ"/>
+      <dgm:constr type="w" for="des" forName="iconRect" op="equ"/>
+      <dgm:constr type="h" for="des" forName="iconSpace" op="equ"/>
+      <dgm:constr type="h" for="des" forName="parTx" op="equ"/>
+      <dgm:constr type="h" for="des" forName="txSpace" op="equ"/>
+      <dgm:constr type="h" for="des" forName="desTx" op="equ"/>
+    </dgm:constrLst>
+    <dgm:ruleLst>
+      <dgm:rule type="w" for="ch" forName="compNode" val="0" fact="NaN" max="NaN"/>
+    </dgm:ruleLst>
+    <dgm:forEach name="Name3" axis="ch" ptType="node">
+      <dgm:layoutNode name="compNode">
+        <dgm:alg type="composite"/>
+        <dgm:shape xmlns:r="http://schemas.openxmlformats.org/officeDocument/2006/relationships" r:blip="">
+          <dgm:adjLst/>
+        </dgm:shape>
+        <dgm:presOf axis="self"/>
+        <dgm:constrLst>
+          <dgm:constr type="w" for="ch" forName="iconRect" refType="w" fact="0.35"/>
+          <dgm:constr type="h" for="ch" forName="iconRect" refType="w" refFor="ch" refForName="iconRect"/>
+          <dgm:constr type="ctrX" for="ch" forName="iconRect" refType="w" fact="0.5"/>
+          <dgm:constr type="t" for="ch" forName="iconRect"/>
+          <dgm:constr type="w" for="ch" forName="iconSpace" refType="w"/>
+          <dgm:constr type="h" for="ch" forName="iconSpace" refType="h" fact="0.043"/>
+          <dgm:constr type="l" for="ch" forName="iconSpace"/>
+          <dgm:constr type="t" for="ch" forName="iconSpace" refType="b" refFor="ch" refForName="iconRect"/>
+          <dgm:constr type="w" for="ch" forName="parTx" refType="w"/>
+          <dgm:constr type="h" for="ch" forName="parTx" refType="w" fact="0.15"/>
+          <dgm:constr type="l" for="ch" forName="parTx"/>
+          <dgm:constr type="t" for="ch" forName="parTx" refType="b" refFor="ch" refForName="iconSpace"/>
+          <dgm:constr type="h" for="ch" forName="txSpace" refType="h" fact="0.02"/>
+          <dgm:constr type="w" for="ch" forName="txSpace" refType="w"/>
+          <dgm:constr type="l" for="ch" forName="txSpace"/>
+          <dgm:constr type="t" for="ch" forName="txSpace" refType="b" refFor="ch" refForName="parTx"/>
+          <dgm:constr type="w" for="ch" forName="desTx" refType="w"/>
+          <dgm:constr type="l" for="ch" forName="desTx"/>
+          <dgm:constr type="t" for="ch" forName="desTx" refType="b" refFor="ch" refForName="txSpace"/>
+        </dgm:constrLst>
+        <dgm:ruleLst>
+          <dgm:rule type="h" val="INF" fact="NaN" max="NaN"/>
+        </dgm:ruleLst>
+        <dgm:layoutNode name="iconRect" styleLbl="node1">
+          <dgm:alg type="sp"/>
+          <dgm:shape xmlns:r="http://schemas.openxmlformats.org/officeDocument/2006/relationships" type="rect" r:blip="" blipPhldr="1">
+            <dgm:adjLst/>
+          </dgm:shape>
+          <dgm:presOf/>
+          <dgm:constrLst/>
+          <dgm:ruleLst/>
+        </dgm:layoutNode>
+        <dgm:layoutNode name="iconSpace">
+          <dgm:alg type="sp"/>
+          <dgm:shape xmlns:r="http://schemas.openxmlformats.org/officeDocument/2006/relationships" r:blip="">
+            <dgm:adjLst/>
+          </dgm:shape>
+          <dgm:presOf/>
+          <dgm:constrLst/>
+          <dgm:ruleLst/>
+        </dgm:layoutNode>
+        <dgm:layoutNode name="parTx" styleLbl="revTx">
+          <dgm:varLst>
+            <dgm:chMax val="0"/>
+            <dgm:chPref val="0"/>
+          </dgm:varLst>
+          <dgm:alg type="tx">
+            <dgm:param type="txAnchorVert" val="t"/>
+          </dgm:alg>
+          <dgm:shape xmlns:r="http://schemas.openxmlformats.org/officeDocument/2006/relationships" type="rect" r:blip="">
+            <dgm:adjLst/>
+          </dgm:shape>
+          <dgm:presOf axis="self" ptType="node"/>
+          <dgm:constrLst>
+            <dgm:constr type="lMarg"/>
+            <dgm:constr type="rMarg"/>
+            <dgm:constr type="tMarg"/>
+            <dgm:constr type="bMarg"/>
+          </dgm:constrLst>
+          <dgm:ruleLst>
+            <dgm:rule type="primFontSz" val="14" fact="NaN" max="NaN"/>
+            <dgm:rule type="h" val="INF" fact="NaN" max="NaN"/>
+          </dgm:ruleLst>
+        </dgm:layoutNode>
+        <dgm:layoutNode name="txSpace">
+          <dgm:alg type="sp"/>
+          <dgm:shape xmlns:r="http://schemas.openxmlformats.org/officeDocument/2006/relationships" r:blip="">
+            <dgm:adjLst/>
+          </dgm:shape>
+          <dgm:presOf/>
+          <dgm:constrLst/>
+          <dgm:ruleLst/>
+        </dgm:layoutNode>
+        <dgm:layoutNode name="desTx" styleLbl="revTx">
+          <dgm:varLst/>
+          <dgm:alg type="tx">
+            <dgm:param type="stBulletLvl" val="0"/>
+            <dgm:param type="txAnchorVert" val="t"/>
+          </dgm:alg>
+          <dgm:shape xmlns:r="http://schemas.openxmlformats.org/officeDocument/2006/relationships" type="rect" r:blip="">
+            <dgm:adjLst/>
+          </dgm:shape>
+          <dgm:presOf axis="des" ptType="node"/>
+          <dgm:constrLst>
+            <dgm:constr type="secFontSz" refType="primFontSz"/>
+            <dgm:constr type="lMarg"/>
+            <dgm:constr type="rMarg"/>
+            <dgm:constr type="tMarg"/>
+            <dgm:constr type="bMarg"/>
+          </dgm:constrLst>
+          <dgm:ruleLst>
+            <dgm:rule type="primFontSz" val="NaN" fact="NaN" max="17"/>
+            <dgm:rule type="h" val="INF" fact="NaN" max="NaN"/>
+          </dgm:ruleLst>
+        </dgm:layoutNode>
+      </dgm:layoutNode>
+      <dgm:forEach name="Name4" axis="followSib" ptType="sibTrans" cnt="1">
+        <dgm:layoutNode name="sibTrans">
+          <dgm:alg type="sp"/>
+          <dgm:shape xmlns:r="http://schemas.openxmlformats.org/officeDocument/2006/relationships" r:blip="">
+            <dgm:adjLst/>
+          </dgm:shape>
+          <dgm:presOf axis="self"/>
+          <dgm:constrLst/>
+          <dgm:ruleLst/>
+        </dgm:layoutNode>
+      </dgm:forEach>
+    </dgm:forEach>
+  </dgm:layoutNode>
+  <dgm:extLst>
+    <a:ext uri="{68A01E43-0DF5-4B5B-8FA6-DAF915123BFB}">
+      <dgm1612:lstStyle xmlns:dgm1612="http://schemas.microsoft.com/office/drawing/2016/12/diagram">
+        <a:lvl1pPr>
+          <a:lnSpc>
+            <a:spcPct val="100000"/>
+          </a:lnSpc>
+          <a:defRPr b="1"/>
+        </a:lvl1pPr>
+        <a:lvl2pPr>
+          <a:lnSpc>
+            <a:spcPct val="100000"/>
+          </a:lnSpc>
+        </a:lvl2pPr>
+      </dgm1612:lstStyle>
+    </a:ext>
+  </dgm:extLst>
+</dgm:layoutDef>
+</file>
+
+<file path=ppt/diagrams/quickStyle1.xml><?xml version="1.0" encoding="utf-8"?>
+<dgm:styleDef xmlns:dgm="http://schemas.openxmlformats.org/drawingml/2006/diagram" xmlns:a="http://schemas.openxmlformats.org/drawingml/2006/main" uniqueId="urn:microsoft.com/office/officeart/2005/8/quickstyle/simple1">
+  <dgm:title val=""/>
+  <dgm:desc val=""/>
+  <dgm:catLst>
+    <dgm:cat type="simple" pri="10100"/>
+  </dgm:catLst>
+  <dgm:scene3d>
+    <a:camera prst="orthographicFront"/>
+    <a:lightRig rig="threePt" dir="t"/>
+  </dgm:scene3d>
+  <dgm:styleLbl name="node0">
+    <dgm:scene3d>
+      <a:camera prst="orthographicFront"/>
+      <a:lightRig rig="threePt" dir="t"/>
+    </dgm:scene3d>
+    <dgm:sp3d/>
+    <dgm:txPr/>
+    <dgm:style>
+      <a:lnRef idx="2">
+        <a:scrgbClr r="0" g="0" b="0"/>
+      </a:lnRef>
+      <a:fillRef idx="1">
+        <a:scrgbClr r="0" g="0" b="0"/>
+      </a:fillRef>
+      <a:effectRef idx="0">
+        <a:scrgbClr r="0" g="0" b="0"/>
+      </a:effectRef>
+      <a:fontRef idx="minor">
+        <a:schemeClr val="lt1"/>
+      </a:fontRef>
+    </dgm:style>
+  </dgm:styleLbl>
+  <dgm:styleLbl name="lnNode1">
+    <dgm:scene3d>
+      <a:camera prst="orthographicFront"/>
+      <a:lightRig rig="threePt" dir="t"/>
+    </dgm:scene3d>
+    <dgm:sp3d/>
+    <dgm:txPr/>
+    <dgm:style>
+      <a:lnRef idx="2">
+        <a:scrgbClr r="0" g="0" b="0"/>
+      </a:lnRef>
+      <a:fillRef idx="1">
+        <a:scrgbClr r="0" g="0" b="0"/>
+      </a:fillRef>
+      <a:effectRef idx="0">
+        <a:scrgbClr r="0" g="0" b="0"/>
+      </a:effectRef>
+      <a:fontRef idx="minor">
+        <a:schemeClr val="lt1"/>
+      </a:fontRef>
+    </dgm:style>
+  </dgm:styleLbl>
+  <dgm:styleLbl name="vennNode1">
+    <dgm:scene3d>
+      <a:camera prst="orthographicFront"/>
+      <a:lightRig rig="threePt" dir="t"/>
+    </dgm:scene3d>
+    <dgm:sp3d/>
+    <dgm:txPr/>
+    <dgm:style>
+      <a:lnRef idx="2">
+        <a:scrgbClr r="0" g="0" b="0"/>
+      </a:lnRef>
+      <a:fillRef idx="1">
+        <a:scrgbClr r="0" g="0" b="0"/>
+      </a:fillRef>
+      <a:effectRef idx="0">
+        <a:scrgbClr r="0" g="0" b="0"/>
+      </a:effectRef>
+      <a:fontRef idx="minor">
+        <a:schemeClr val="tx1"/>
+      </a:fontRef>
+    </dgm:style>
+  </dgm:styleLbl>
+  <dgm:styleLbl name="alignNode1">
+    <dgm:scene3d>
+      <a:camera prst="orthographicFront"/>
+      <a:lightRig rig="threePt" dir="t"/>
+    </dgm:scene3d>
+    <dgm:sp3d/>
+    <dgm:txPr/>
+    <dgm:style>
+      <a:lnRef idx="2">
+        <a:scrgbClr r="0" g="0" b="0"/>
+      </a:lnRef>
+      <a:fillRef idx="1">
+        <a:scrgbClr r="0" g="0" b="0"/>
+      </a:fillRef>
+      <a:effectRef idx="0">
+        <a:scrgbClr r="0" g="0" b="0"/>
+      </a:effectRef>
+      <a:fontRef idx="minor">
+        <a:schemeClr val="lt1"/>
+      </a:fontRef>
+    </dgm:style>
+  </dgm:styleLbl>
+  <dgm:styleLbl name="node1">
+    <dgm:scene3d>
+      <a:camera prst="orthographicFront"/>
+      <a:lightRig rig="threePt" dir="t"/>
+    </dgm:scene3d>
+    <dgm:sp3d/>
+    <dgm:txPr/>
+    <dgm:style>
+      <a:lnRef idx="2">
+        <a:scrgbClr r="0" g="0" b="0"/>
+      </a:lnRef>
+      <a:fillRef idx="1">
+        <a:scrgbClr r="0" g="0" b="0"/>
+      </a:fillRef>
+      <a:effectRef idx="0">
+        <a:scrgbClr r="0" g="0" b="0"/>
+      </a:effectRef>
+      <a:fontRef idx="minor">
+        <a:schemeClr val="lt1"/>
+      </a:fontRef>
+    </dgm:style>
+  </dgm:styleLbl>
+  <dgm:styleLbl name="node2">
+    <dgm:scene3d>
+      <a:camera prst="orthographicFront"/>
+      <a:lightRig rig="threePt" dir="t"/>
+    </dgm:scene3d>
+    <dgm:sp3d/>
+    <dgm:txPr/>
+    <dgm:style>
+      <a:lnRef idx="2">
+        <a:scrgbClr r="0" g="0" b="0"/>
+      </a:lnRef>
+      <a:fillRef idx="1">
+        <a:scrgbClr r="0" g="0" b="0"/>
+      </a:fillRef>
+      <a:effectRef idx="0">
+        <a:scrgbClr r="0" g="0" b="0"/>
+      </a:effectRef>
+      <a:fontRef idx="minor">
+        <a:schemeClr val="lt1"/>
+      </a:fontRef>
+    </dgm:style>
+  </dgm:styleLbl>
+  <dgm:styleLbl name="node3">
+    <dgm:scene3d>
+      <a:camera prst="orthographicFront"/>
+      <a:lightRig rig="threePt" dir="t"/>
+    </dgm:scene3d>
+    <dgm:sp3d/>
+    <dgm:txPr/>
+    <dgm:style>
+      <a:lnRef idx="2">
+        <a:scrgbClr r="0" g="0" b="0"/>
+      </a:lnRef>
+      <a:fillRef idx="1">
+        <a:scrgbClr r="0" g="0" b="0"/>
+      </a:fillRef>
+      <a:effectRef idx="0">
+        <a:scrgbClr r="0" g="0" b="0"/>
+      </a:effectRef>
+      <a:fontRef idx="minor">
+        <a:schemeClr val="lt1"/>
+      </a:fontRef>
+    </dgm:style>
+  </dgm:styleLbl>
+  <dgm:styleLbl name="node4">
+    <dgm:scene3d>
+      <a:camera prst="orthographicFront"/>
+      <a:lightRig rig="threePt" dir="t"/>
+    </dgm:scene3d>
+    <dgm:sp3d/>
+    <dgm:txPr/>
+    <dgm:style>
+      <a:lnRef idx="2">
+        <a:scrgbClr r="0" g="0" b="0"/>
+      </a:lnRef>
+      <a:fillRef idx="1">
+        <a:scrgbClr r="0" g="0" b="0"/>
+      </a:fillRef>
+      <a:effectRef idx="0">
+        <a:scrgbClr r="0" g="0" b="0"/>
+      </a:effectRef>
+      <a:fontRef idx="minor">
+        <a:schemeClr val="lt1"/>
+      </a:fontRef>
+    </dgm:style>
+  </dgm:styleLbl>
+  <dgm:styleLbl name="fgImgPlace1">
+    <dgm:scene3d>
+      <a:camera prst="orthographicFront"/>
+      <a:lightRig rig="threePt" dir="t"/>
+    </dgm:scene3d>
+    <dgm:sp3d/>
+    <dgm:txPr/>
+    <dgm:style>
+      <a:lnRef idx="2">
+        <a:scrgbClr r="0" g="0" b="0"/>
+      </a:lnRef>
+      <a:fillRef idx="1">
+        <a:scrgbClr r="0" g="0" b="0"/>
+      </a:fillRef>
+      <a:effectRef idx="0">
+        <a:scrgbClr r="0" g="0" b="0"/>
+      </a:effectRef>
+      <a:fontRef idx="minor"/>
+    </dgm:style>
+  </dgm:styleLbl>
+  <dgm:styleLbl name="alignImgPlace1">
+    <dgm:scene3d>
+      <a:camera prst="orthographicFront"/>
+      <a:lightRig rig="threePt" dir="t"/>
+    </dgm:scene3d>
+    <dgm:sp3d/>
+    <dgm:txPr/>
+    <dgm:style>
+      <a:lnRef idx="2">
+        <a:scrgbClr r="0" g="0" b="0"/>
+      </a:lnRef>
+      <a:fillRef idx="1">
+        <a:scrgbClr r="0" g="0" b="0"/>
+      </a:fillRef>
+      <a:effectRef idx="0">
+        <a:scrgbClr r="0" g="0" b="0"/>
+      </a:effectRef>
+      <a:fontRef idx="minor"/>
+    </dgm:style>
+  </dgm:styleLbl>
+  <dgm:styleLbl name="bgImgPlace1">
+    <dgm:scene3d>
+      <a:camera prst="orthographicFront"/>
+      <a:lightRig rig="threePt" dir="t"/>
+    </dgm:scene3d>
+    <dgm:sp3d/>
+    <dgm:txPr/>
+    <dgm:style>
+      <a:lnRef idx="2">
+        <a:scrgbClr r="0" g="0" b="0"/>
+      </a:lnRef>
+      <a:fillRef idx="1">
+        <a:scrgbClr r="0" g="0" b="0"/>
+      </a:fillRef>
+      <a:effectRef idx="0">
+        <a:scrgbClr r="0" g="0" b="0"/>
+      </a:effectRef>
+      <a:fontRef idx="minor"/>
+    </dgm:style>
+  </dgm:styleLbl>
+  <dgm:styleLbl name="sibTrans2D1">
+    <dgm:scene3d>
+      <a:camera prst="orthographicFront"/>
+      <a:lightRig rig="threePt" dir="t"/>
+    </dgm:scene3d>
+    <dgm:sp3d/>
+    <dgm:txPr/>
+    <dgm:style>
+      <a:lnRef idx="0">
+        <a:scrgbClr r="0" g="0" b="0"/>
+      </a:lnRef>
+      <a:fillRef idx="1">
+        <a:scrgbClr r="0" g="0" b="0"/>
+      </a:fillRef>
+      <a:effectRef idx="0">
+        <a:scrgbClr r="0" g="0" b="0"/>
+      </a:effectRef>
+      <a:fontRef idx="minor">
+        <a:schemeClr val="lt1"/>
+      </a:fontRef>
+    </dgm:style>
+  </dgm:styleLbl>
+  <dgm:styleLbl name="fgSibTrans2D1">
+    <dgm:scene3d>
+      <a:camera prst="orthographicFront"/>
+      <a:lightRig rig="threePt" dir="t"/>
+    </dgm:scene3d>
+    <dgm:sp3d/>
+    <dgm:txPr/>
+    <dgm:style>
+      <a:lnRef idx="0">
+        <a:scrgbClr r="0" g="0" b="0"/>
+      </a:lnRef>
+      <a:fillRef idx="1">
+        <a:scrgbClr r="0" g="0" b="0"/>
+      </a:fillRef>
+      <a:effectRef idx="0">
+        <a:scrgbClr r="0" g="0" b="0"/>
+      </a:effectRef>
+      <a:fontRef idx="minor">
+        <a:schemeClr val="lt1"/>
+      </a:fontRef>
+    </dgm:style>
+  </dgm:styleLbl>
+  <dgm:styleLbl name="bgSibTrans2D1">
+    <dgm:scene3d>
+      <a:camera prst="orthographicFront"/>
+      <a:lightRig rig="threePt" dir="t"/>
+    </dgm:scene3d>
+    <dgm:sp3d/>
+    <dgm:txPr/>
+    <dgm:style>
+      <a:lnRef idx="0">
+        <a:scrgbClr r="0" g="0" b="0"/>
+      </a:lnRef>
+      <a:fillRef idx="1">
+        <a:scrgbClr r="0" g="0" b="0"/>
+      </a:fillRef>
+      <a:effectRef idx="0">
+        <a:scrgbClr r="0" g="0" b="0"/>
+      </a:effectRef>
+      <a:fontRef idx="minor">
+        <a:schemeClr val="lt1"/>
+      </a:fontRef>
+    </dgm:style>
+  </dgm:styleLbl>
+  <dgm:styleLbl name="sibTrans1D1">
+    <dgm:scene3d>
+      <a:camera prst="orthographicFront"/>
+      <a:lightRig rig="threePt" dir="t"/>
+    </dgm:scene3d>
+    <dgm:sp3d/>
+    <dgm:txPr/>
+    <dgm:style>
+      <a:lnRef idx="1">
+        <a:scrgbClr r="0" g="0" b="0"/>
+      </a:lnRef>
+      <a:fillRef idx="0">
+        <a:scrgbClr r="0" g="0" b="0"/>
+      </a:fillRef>
+      <a:effectRef idx="0">
+        <a:scrgbClr r="0" g="0" b="0"/>
+      </a:effectRef>
+      <a:fontRef idx="minor"/>
+    </dgm:style>
+  </dgm:styleLbl>
+  <dgm:styleLbl name="callout">
+    <dgm:scene3d>
+      <a:camera prst="orthographicFront"/>
+      <a:lightRig rig="threePt" dir="t"/>
+    </dgm:scene3d>
+    <dgm:sp3d/>
+    <dgm:txPr/>
+    <dgm:style>
+      <a:lnRef idx="2">
+        <a:scrgbClr r="0" g="0" b="0"/>
+      </a:lnRef>
+      <a:fillRef idx="1">
+        <a:scrgbClr r="0" g="0" b="0"/>
+      </a:fillRef>
+      <a:effectRef idx="0">
+        <a:scrgbClr r="0" g="0" b="0"/>
+      </a:effectRef>
+      <a:fontRef idx="minor"/>
+    </dgm:style>
+  </dgm:styleLbl>
+  <dgm:styleLbl name="asst0">
+    <dgm:scene3d>
+      <a:camera prst="orthographicFront"/>
+      <a:lightRig rig="threePt" dir="t"/>
+    </dgm:scene3d>
+    <dgm:sp3d/>
+    <dgm:txPr/>
+    <dgm:style>
+      <a:lnRef idx="2">
+        <a:scrgbClr r="0" g="0" b="0"/>
+      </a:lnRef>
+      <a:fillRef idx="1">
+        <a:scrgbClr r="0" g="0" b="0"/>
+      </a:fillRef>
+      <a:effectRef idx="0">
+        <a:scrgbClr r="0" g="0" b="0"/>
+      </a:effectRef>
+      <a:fontRef idx="minor">
+        <a:schemeClr val="lt1"/>
+      </a:fontRef>
+    </dgm:style>
+  </dgm:styleLbl>
+  <dgm:styleLbl name="asst1">
+    <dgm:scene3d>
+      <a:camera prst="orthographicFront"/>
+      <a:lightRig rig="threePt" dir="t"/>
+    </dgm:scene3d>
+    <dgm:sp3d/>
+    <dgm:txPr/>
+    <dgm:style>
+      <a:lnRef idx="2">
+        <a:scrgbClr r="0" g="0" b="0"/>
+      </a:lnRef>
+      <a:fillRef idx="1">
+        <a:scrgbClr r="0" g="0" b="0"/>
+      </a:fillRef>
+      <a:effectRef idx="0">
+        <a:scrgbClr r="0" g="0" b="0"/>
+      </a:effectRef>
+      <a:fontRef idx="minor">
+        <a:schemeClr val="lt1"/>
+      </a:fontRef>
+    </dgm:style>
+  </dgm:styleLbl>
+  <dgm:styleLbl name="asst2">
+    <dgm:scene3d>
+      <a:camera prst="orthographicFront"/>
+      <a:lightRig rig="threePt" dir="t"/>
+    </dgm:scene3d>
+    <dgm:sp3d/>
+    <dgm:txPr/>
+    <dgm:style>
+      <a:lnRef idx="2">
+        <a:scrgbClr r="0" g="0" b="0"/>
+      </a:lnRef>
+      <a:fillRef idx="1">
+        <a:scrgbClr r="0" g="0" b="0"/>
+      </a:fillRef>
+      <a:effectRef idx="0">
+        <a:scrgbClr r="0" g="0" b="0"/>
+      </a:effectRef>
+      <a:fontRef idx="minor">
+        <a:schemeClr val="lt1"/>
+      </a:fontRef>
+    </dgm:style>
+  </dgm:styleLbl>
+  <dgm:styleLbl name="asst3">
+    <dgm:scene3d>
+      <a:camera prst="orthographicFront"/>
+      <a:lightRig rig="threePt" dir="t"/>
+    </dgm:scene3d>
+    <dgm:sp3d/>
+    <dgm:txPr/>
+    <dgm:style>
+      <a:lnRef idx="2">
+        <a:scrgbClr r="0" g="0" b="0"/>
+      </a:lnRef>
+      <a:fillRef idx="1">
+        <a:scrgbClr r="0" g="0" b="0"/>
+      </a:fillRef>
+      <a:effectRef idx="0">
+        <a:scrgbClr r="0" g="0" b="0"/>
+      </a:effectRef>
+      <a:fontRef idx="minor">
+        <a:schemeClr val="lt1"/>
+      </a:fontRef>
+    </dgm:style>
+  </dgm:styleLbl>
+  <dgm:styleLbl name="asst4">
+    <dgm:scene3d>
+      <a:camera prst="orthographicFront"/>
+      <a:lightRig rig="threePt" dir="t"/>
+    </dgm:scene3d>
+    <dgm:sp3d/>
+    <dgm:txPr/>
+    <dgm:style>
+      <a:lnRef idx="2">
+        <a:scrgbClr r="0" g="0" b="0"/>
+      </a:lnRef>
+      <a:fillRef idx="1">
+        <a:scrgbClr r="0" g="0" b="0"/>
+      </a:fillRef>
+      <a:effectRef idx="0">
+        <a:scrgbClr r="0" g="0" b="0"/>
+      </a:effectRef>
+      <a:fontRef idx="minor">
+        <a:schemeClr val="lt1"/>
+      </a:fontRef>
+    </dgm:style>
+  </dgm:styleLbl>
+  <dgm:styleLbl name="parChTrans2D1">
+    <dgm:scene3d>
+      <a:camera prst="orthographicFront"/>
+      <a:lightRig rig="threePt" dir="t"/>
+    </dgm:scene3d>
+    <dgm:sp3d/>
+    <dgm:txPr/>
+    <dgm:style>
+      <a:lnRef idx="2">
+        <a:scrgbClr r="0" g="0" b="0"/>
+      </a:lnRef>
+      <a:fillRef idx="1">
+        <a:scrgbClr r="0" g="0" b="0"/>
+      </a:fillRef>
+      <a:effectRef idx="0">
+        <a:scrgbClr r="0" g="0" b="0"/>
+      </a:effectRef>
+      <a:fontRef idx="minor">
+        <a:schemeClr val="lt1"/>
+      </a:fontRef>
+    </dgm:style>
+  </dgm:styleLbl>
+  <dgm:styleLbl name="parChTrans2D2">
+    <dgm:scene3d>
+      <a:camera prst="orthographicFront"/>
+      <a:lightRig rig="threePt" dir="t"/>
+    </dgm:scene3d>
+    <dgm:sp3d/>
+    <dgm:txPr/>
+    <dgm:style>
+      <a:lnRef idx="2">
+        <a:scrgbClr r="0" g="0" b="0"/>
+      </a:lnRef>
+      <a:fillRef idx="1">
+        <a:scrgbClr r="0" g="0" b="0"/>
+      </a:fillRef>
+      <a:effectRef idx="0">
+        <a:scrgbClr r="0" g="0" b="0"/>
+      </a:effectRef>
+      <a:fontRef idx="minor">
+        <a:schemeClr val="lt1"/>
+      </a:fontRef>
+    </dgm:style>
+  </dgm:styleLbl>
+  <dgm:styleLbl name="parChTrans2D3">
+    <dgm:scene3d>
+      <a:camera prst="orthographicFront"/>
+      <a:lightRig rig="threePt" dir="t"/>
+    </dgm:scene3d>
+    <dgm:sp3d/>
+    <dgm:txPr/>
+    <dgm:style>
+      <a:lnRef idx="2">
+        <a:scrgbClr r="0" g="0" b="0"/>
+      </a:lnRef>
+      <a:fillRef idx="1">
+        <a:scrgbClr r="0" g="0" b="0"/>
+      </a:fillRef>
+      <a:effectRef idx="0">
+        <a:scrgbClr r="0" g="0" b="0"/>
+      </a:effectRef>
+      <a:fontRef idx="minor">
+        <a:schemeClr val="lt1"/>
+      </a:fontRef>
+    </dgm:style>
+  </dgm:styleLbl>
+  <dgm:styleLbl name="parChTrans2D4">
+    <dgm:scene3d>
+      <a:camera prst="orthographicFront"/>
+      <a:lightRig rig="threePt" dir="t"/>
+    </dgm:scene3d>
+    <dgm:sp3d/>
+    <dgm:txPr/>
+    <dgm:style>
+      <a:lnRef idx="2">
+        <a:scrgbClr r="0" g="0" b="0"/>
+      </a:lnRef>
+      <a:fillRef idx="1">
+        <a:scrgbClr r="0" g="0" b="0"/>
+      </a:fillRef>
+      <a:effectRef idx="0">
+        <a:scrgbClr r="0" g="0" b="0"/>
+      </a:effectRef>
+      <a:fontRef idx="minor">
+        <a:schemeClr val="lt1"/>
+      </a:fontRef>
+    </dgm:style>
+  </dgm:styleLbl>
+  <dgm:styleLbl name="parChTrans1D1">
+    <dgm:scene3d>
+      <a:camera prst="orthographicFront"/>
+      <a:lightRig rig="threePt" dir="t"/>
+    </dgm:scene3d>
+    <dgm:sp3d/>
+    <dgm:txPr/>
+    <dgm:style>
+      <a:lnRef idx="2">
+        <a:scrgbClr r="0" g="0" b="0"/>
+      </a:lnRef>
+      <a:fillRef idx="0">
+        <a:scrgbClr r="0" g="0" b="0"/>
+      </a:fillRef>
+      <a:effectRef idx="0">
+        <a:scrgbClr r="0" g="0" b="0"/>
+      </a:effectRef>
+      <a:fontRef idx="minor"/>
+    </dgm:style>
+  </dgm:styleLbl>
+  <dgm:styleLbl name="parChTrans1D2">
+    <dgm:scene3d>
+      <a:camera prst="orthographicFront"/>
+      <a:lightRig rig="threePt" dir="t"/>
+    </dgm:scene3d>
+    <dgm:sp3d/>
+    <dgm:txPr/>
+    <dgm:style>
+      <a:lnRef idx="2">
+        <a:scrgbClr r="0" g="0" b="0"/>
+      </a:lnRef>
+      <a:fillRef idx="0">
+        <a:scrgbClr r="0" g="0" b="0"/>
+      </a:fillRef>
+      <a:effectRef idx="0">
+        <a:scrgbClr r="0" g="0" b="0"/>
+      </a:effectRef>
+      <a:fontRef idx="minor"/>
+    </dgm:style>
+  </dgm:styleLbl>
+  <dgm:styleLbl name="parChTrans1D3">
+    <dgm:scene3d>
+      <a:camera prst="orthographicFront"/>
+      <a:lightRig rig="threePt" dir="t"/>
+    </dgm:scene3d>
+    <dgm:sp3d/>
+    <dgm:txPr/>
+    <dgm:style>
+      <a:lnRef idx="2">
+        <a:scrgbClr r="0" g="0" b="0"/>
+      </a:lnRef>
+      <a:fillRef idx="0">
+        <a:scrgbClr r="0" g="0" b="0"/>
+      </a:fillRef>
+      <a:effectRef idx="0">
+        <a:scrgbClr r="0" g="0" b="0"/>
+      </a:effectRef>
+      <a:fontRef idx="minor"/>
+    </dgm:style>
+  </dgm:styleLbl>
+  <dgm:styleLbl name="parChTrans1D4">
+    <dgm:scene3d>
+      <a:camera prst="orthographicFront"/>
+      <a:lightRig rig="threePt" dir="t"/>
+    </dgm:scene3d>
+    <dgm:sp3d/>
+    <dgm:txPr/>
+    <dgm:style>
+      <a:lnRef idx="2">
+        <a:scrgbClr r="0" g="0" b="0"/>
+      </a:lnRef>
+      <a:fillRef idx="0">
+        <a:scrgbClr r="0" g="0" b="0"/>
+      </a:fillRef>
+      <a:effectRef idx="0">
+        <a:scrgbClr r="0" g="0" b="0"/>
+      </a:effectRef>
+      <a:fontRef idx="minor"/>
+    </dgm:style>
+  </dgm:styleLbl>
+  <dgm:styleLbl name="fgAcc1">
+    <dgm:scene3d>
+      <a:camera prst="orthographicFront"/>
+      <a:lightRig rig="threePt" dir="t"/>
+    </dgm:scene3d>
+    <dgm:sp3d/>
+    <dgm:txPr/>
+    <dgm:style>
+      <a:lnRef idx="2">
+        <a:scrgbClr r="0" g="0" b="0"/>
+      </a:lnRef>
+      <a:fillRef idx="1">
+        <a:scrgbClr r="0" g="0" b="0"/>
+      </a:fillRef>
+      <a:effectRef idx="0">
+        <a:scrgbClr r="0" g="0" b="0"/>
+      </a:effectRef>
+      <a:fontRef idx="minor"/>
+    </dgm:style>
+  </dgm:styleLbl>
+  <dgm:styleLbl name="conFgAcc1">
+    <dgm:scene3d>
+      <a:camera prst="orthographicFront"/>
+      <a:lightRig rig="threePt" dir="t"/>
+    </dgm:scene3d>
+    <dgm:sp3d/>
+    <dgm:txPr/>
+    <dgm:style>
+      <a:lnRef idx="2">
+        <a:scrgbClr r="0" g="0" b="0"/>
+      </a:lnRef>
+      <a:fillRef idx="1">
+        <a:scrgbClr r="0" g="0" b="0"/>
+      </a:fillRef>
+      <a:effectRef idx="0">
+        <a:scrgbClr r="0" g="0" b="0"/>
+      </a:effectRef>
+      <a:fontRef idx="minor"/>
+    </dgm:style>
+  </dgm:styleLbl>
+  <dgm:styleLbl name="alignAcc1">
+    <dgm:scene3d>
+      <a:camera prst="orthographicFront"/>
+      <a:lightRig rig="threePt" dir="t"/>
+    </dgm:scene3d>
+    <dgm:sp3d/>
+    <dgm:txPr/>
+    <dgm:style>
+      <a:lnRef idx="2">
+        <a:scrgbClr r="0" g="0" b="0"/>
+      </a:lnRef>
+      <a:fillRef idx="1">
+        <a:scrgbClr r="0" g="0" b="0"/>
+      </a:fillRef>
+      <a:effectRef idx="0">
+        <a:scrgbClr r="0" g="0" b="0"/>
+      </a:effectRef>
+      <a:fontRef idx="minor"/>
+    </dgm:style>
+  </dgm:styleLbl>
+  <dgm:styleLbl name="trAlignAcc1">
+    <dgm:scene3d>
+      <a:camera prst="orthographicFront"/>
+      <a:lightRig rig="threePt" dir="t"/>
+    </dgm:scene3d>
+    <dgm:sp3d/>
+    <dgm:txPr/>
+    <dgm:style>
+      <a:lnRef idx="1">
+        <a:scrgbClr r="0" g="0" b="0"/>
+      </a:lnRef>
+      <a:fillRef idx="1">
+        <a:scrgbClr r="0" g="0" b="0"/>
+      </a:fillRef>
+      <a:effectRef idx="0">
+        <a:scrgbClr r="0" g="0" b="0"/>
+      </a:effectRef>
+      <a:fontRef idx="minor"/>
+    </dgm:style>
+  </dgm:styleLbl>
+  <dgm:styleLbl name="bgAcc1">
+    <dgm:scene3d>
+      <a:camera prst="orthographicFront"/>
+      <a:lightRig rig="threePt" dir="t"/>
+    </dgm:scene3d>
+    <dgm:sp3d/>
+    <dgm:txPr/>
+    <dgm:style>
+      <a:lnRef idx="2">
+        <a:scrgbClr r="0" g="0" b="0"/>
+      </a:lnRef>
+      <a:fillRef idx="1">
+        <a:scrgbClr r="0" g="0" b="0"/>
+      </a:fillRef>
+      <a:effectRef idx="0">
+        <a:scrgbClr r="0" g="0" b="0"/>
+      </a:effectRef>
+      <a:fontRef idx="minor"/>
+    </dgm:style>
+  </dgm:styleLbl>
+  <dgm:styleLbl name="solidFgAcc1">
+    <dgm:scene3d>
+      <a:camera prst="orthographicFront"/>
+      <a:lightRig rig="threePt" dir="t"/>
+    </dgm:scene3d>
+    <dgm:sp3d/>
+    <dgm:txPr/>
+    <dgm:style>
+      <a:lnRef idx="2">
+        <a:scrgbClr r="0" g="0" b="0"/>
+      </a:lnRef>
+      <a:fillRef idx="1">
+        <a:scrgbClr r="0" g="0" b="0"/>
+      </a:fillRef>
+      <a:effectRef idx="0">
+        <a:scrgbClr r="0" g="0" b="0"/>
+      </a:effectRef>
+      <a:fontRef idx="minor"/>
+    </dgm:style>
+  </dgm:styleLbl>
+  <dgm:styleLbl name="solidAlignAcc1">
+    <dgm:scene3d>
+      <a:camera prst="orthographicFront"/>
+      <a:lightRig rig="threePt" dir="t"/>
+    </dgm:scene3d>
+    <dgm:sp3d/>
+    <dgm:txPr/>
+    <dgm:style>
+      <a:lnRef idx="2">
+        <a:scrgbClr r="0" g="0" b="0"/>
+      </a:lnRef>
+      <a:fillRef idx="1">
+        <a:scrgbClr r="0" g="0" b="0"/>
+      </a:fillRef>
+      <a:effectRef idx="0">
+        <a:scrgbClr r="0" g="0" b="0"/>
+      </a:effectRef>
+      <a:fontRef idx="minor"/>
+    </dgm:style>
+  </dgm:styleLbl>
+  <dgm:styleLbl name="solidBgAcc1">
+    <dgm:scene3d>
+      <a:camera prst="orthographicFront"/>
+      <a:lightRig rig="threePt" dir="t"/>
+    </dgm:scene3d>
+    <dgm:sp3d/>
+    <dgm:txPr/>
+    <dgm:style>
+      <a:lnRef idx="2">
+        <a:scrgbClr r="0" g="0" b="0"/>
+      </a:lnRef>
+      <a:fillRef idx="1">
+        <a:scrgbClr r="0" g="0" b="0"/>
+      </a:fillRef>
+      <a:effectRef idx="0">
+        <a:scrgbClr r="0" g="0" b="0"/>
+      </a:effectRef>
+      <a:fontRef idx="minor"/>
+    </dgm:style>
+  </dgm:styleLbl>
+  <dgm:styleLbl name="fgAccFollowNode1">
+    <dgm:scene3d>
+      <a:camera prst="orthographicFront"/>
+      <a:lightRig rig="threePt" dir="t"/>
+    </dgm:scene3d>
+    <dgm:sp3d/>
+    <dgm:txPr/>
+    <dgm:style>
+      <a:lnRef idx="2">
+        <a:scrgbClr r="0" g="0" b="0"/>
+      </a:lnRef>
+      <a:fillRef idx="1">
+        <a:scrgbClr r="0" g="0" b="0"/>
+      </a:fillRef>
+      <a:effectRef idx="0">
+        <a:scrgbClr r="0" g="0" b="0"/>
+      </a:effectRef>
+      <a:fontRef idx="minor"/>
+    </dgm:style>
+  </dgm:styleLbl>
+  <dgm:styleLbl name="alignAccFollowNode1">
+    <dgm:scene3d>
+      <a:camera prst="orthographicFront"/>
+      <a:lightRig rig="threePt" dir="t"/>
+    </dgm:scene3d>
+    <dgm:sp3d/>
+    <dgm:txPr/>
+    <dgm:style>
+      <a:lnRef idx="2">
+        <a:scrgbClr r="0" g="0" b="0"/>
+      </a:lnRef>
+      <a:fillRef idx="1">
+        <a:scrgbClr r="0" g="0" b="0"/>
+      </a:fillRef>
+      <a:effectRef idx="0">
+        <a:scrgbClr r="0" g="0" b="0"/>
+      </a:effectRef>
+      <a:fontRef idx="minor"/>
+    </dgm:style>
+  </dgm:styleLbl>
+  <dgm:styleLbl name="bgAccFollowNode1">
+    <dgm:scene3d>
+      <a:camera prst="orthographicFront"/>
+      <a:lightRig rig="threePt" dir="t"/>
+    </dgm:scene3d>
+    <dgm:sp3d/>
+    <dgm:txPr/>
+    <dgm:style>
+      <a:lnRef idx="2">
+        <a:scrgbClr r="0" g="0" b="0"/>
+      </a:lnRef>
+      <a:fillRef idx="1">
+        <a:scrgbClr r="0" g="0" b="0"/>
+      </a:fillRef>
+      <a:effectRef idx="0">
+        <a:scrgbClr r="0" g="0" b="0"/>
+      </a:effectRef>
+      <a:fontRef idx="minor"/>
+    </dgm:style>
+  </dgm:styleLbl>
+  <dgm:styleLbl name="fgAcc0">
+    <dgm:scene3d>
+      <a:camera prst="orthographicFront"/>
+      <a:lightRig rig="threePt" dir="t"/>
+    </dgm:scene3d>
+    <dgm:sp3d/>
+    <dgm:txPr/>
+    <dgm:style>
+      <a:lnRef idx="2">
+        <a:scrgbClr r="0" g="0" b="0"/>
+      </a:lnRef>
+      <a:fillRef idx="1">
+        <a:scrgbClr r="0" g="0" b="0"/>
+      </a:fillRef>
+      <a:effectRef idx="0">
+        <a:scrgbClr r="0" g="0" b="0"/>
+      </a:effectRef>
+      <a:fontRef idx="minor"/>
+    </dgm:style>
+  </dgm:styleLbl>
+  <dgm:styleLbl name="fgAcc2">
+    <dgm:scene3d>
+      <a:camera prst="orthographicFront"/>
+      <a:lightRig rig="threePt" dir="t"/>
+    </dgm:scene3d>
+    <dgm:sp3d/>
+    <dgm:txPr/>
+    <dgm:style>
+      <a:lnRef idx="2">
+        <a:scrgbClr r="0" g="0" b="0"/>
+      </a:lnRef>
+      <a:fillRef idx="1">
+        <a:scrgbClr r="0" g="0" b="0"/>
+      </a:fillRef>
+      <a:effectRef idx="0">
+        <a:scrgbClr r="0" g="0" b="0"/>
+      </a:effectRef>
+      <a:fontRef idx="minor"/>
+    </dgm:style>
+  </dgm:styleLbl>
+  <dgm:styleLbl name="fgAcc3">
+    <dgm:scene3d>
+      <a:camera prst="orthographicFront"/>
+      <a:lightRig rig="threePt" dir="t"/>
+    </dgm:scene3d>
+    <dgm:sp3d/>
+    <dgm:txPr/>
+    <dgm:style>
+      <a:lnRef idx="2">
+        <a:scrgbClr r="0" g="0" b="0"/>
+      </a:lnRef>
+      <a:fillRef idx="1">
+        <a:scrgbClr r="0" g="0" b="0"/>
+      </a:fillRef>
+      <a:effectRef idx="0">
+        <a:scrgbClr r="0" g="0" b="0"/>
+      </a:effectRef>
+      <a:fontRef idx="minor"/>
+    </dgm:style>
+  </dgm:styleLbl>
+  <dgm:styleLbl name="fgAcc4">
+    <dgm:scene3d>
+      <a:camera prst="orthographicFront"/>
+      <a:lightRig rig="threePt" dir="t"/>
+    </dgm:scene3d>
+    <dgm:sp3d/>
+    <dgm:txPr/>
+    <dgm:style>
+      <a:lnRef idx="2">
+        <a:scrgbClr r="0" g="0" b="0"/>
+      </a:lnRef>
+      <a:fillRef idx="1">
+        <a:scrgbClr r="0" g="0" b="0"/>
+      </a:fillRef>
+      <a:effectRef idx="0">
+        <a:scrgbClr r="0" g="0" b="0"/>
+      </a:effectRef>
+      <a:fontRef idx="minor"/>
+    </dgm:style>
+  </dgm:styleLbl>
+  <dgm:styleLbl name="bgShp">
+    <dgm:scene3d>
+      <a:camera prst="orthographicFront"/>
+      <a:lightRig rig="threePt" dir="t"/>
+    </dgm:scene3d>
+    <dgm:sp3d/>
+    <dgm:txPr/>
+    <dgm:style>
+      <a:lnRef idx="0">
+        <a:scrgbClr r="0" g="0" b="0"/>
+      </a:lnRef>
+      <a:fillRef idx="1">
+        <a:scrgbClr r="0" g="0" b="0"/>
+      </a:fillRef>
+      <a:effectRef idx="0">
+        <a:scrgbClr r="0" g="0" b="0"/>
+      </a:effectRef>
+      <a:fontRef idx="minor"/>
+    </dgm:style>
+  </dgm:styleLbl>
+  <dgm:styleLbl name="dkBgShp">
+    <dgm:scene3d>
+      <a:camera prst="orthographicFront"/>
+      <a:lightRig rig="threePt" dir="t"/>
+    </dgm:scene3d>
+    <dgm:sp3d/>
+    <dgm:txPr/>
+    <dgm:style>
+      <a:lnRef idx="0">
+        <a:scrgbClr r="0" g="0" b="0"/>
+      </a:lnRef>
+      <a:fillRef idx="1">
+        <a:scrgbClr r="0" g="0" b="0"/>
+      </a:fillRef>
+      <a:effectRef idx="0">
+        <a:scrgbClr r="0" g="0" b="0"/>
+      </a:effectRef>
+      <a:fontRef idx="minor"/>
+    </dgm:style>
+  </dgm:styleLbl>
+  <dgm:styleLbl name="trBgShp">
+    <dgm:scene3d>
+      <a:camera prst="orthographicFront"/>
+      <a:lightRig rig="threePt" dir="t"/>
+    </dgm:scene3d>
+    <dgm:sp3d/>
+    <dgm:txPr/>
+    <dgm:style>
+      <a:lnRef idx="0">
+        <a:scrgbClr r="0" g="0" b="0"/>
+      </a:lnRef>
+      <a:fillRef idx="1">
+        <a:scrgbClr r="0" g="0" b="0"/>
+      </a:fillRef>
+      <a:effectRef idx="0">
+        <a:scrgbClr r="0" g="0" b="0"/>
+      </a:effectRef>
+      <a:fontRef idx="minor"/>
+    </dgm:style>
+  </dgm:styleLbl>
+  <dgm:styleLbl name="fgShp">
+    <dgm:scene3d>
+      <a:camera prst="orthographicFront"/>
+      <a:lightRig rig="threePt" dir="t"/>
+    </dgm:scene3d>
+    <dgm:sp3d/>
+    <dgm:txPr/>
+    <dgm:style>
+      <a:lnRef idx="2">
+        <a:scrgbClr r="0" g="0" b="0"/>
+      </a:lnRef>
+      <a:fillRef idx="1">
+        <a:scrgbClr r="0" g="0" b="0"/>
+      </a:fillRef>
+      <a:effectRef idx="0">
+        <a:scrgbClr r="0" g="0" b="0"/>
+      </a:effectRef>
+      <a:fontRef idx="minor"/>
+    </dgm:style>
+  </dgm:styleLbl>
+  <dgm:styleLbl name="revTx">
+    <dgm:scene3d>
+      <a:camera prst="orthographicFront"/>
+      <a:lightRig rig="threePt" dir="t"/>
+    </dgm:scene3d>
+    <dgm:sp3d/>
+    <dgm:txPr/>
+    <dgm:style>
+      <a:lnRef idx="0">
+        <a:scrgbClr r="0" g="0" b="0"/>
+      </a:lnRef>
+      <a:fillRef idx="0">
+        <a:scrgbClr r="0" g="0" b="0"/>
+      </a:fillRef>
+      <a:effectRef idx="0">
+        <a:scrgbClr r="0" g="0" b="0"/>
+      </a:effectRef>
+      <a:fontRef idx="minor"/>
+    </dgm:style>
+  </dgm:styleLbl>
+</dgm:styleDef>
 </file>
 
 <file path=ppt/notesMasters/notesMaster1.xml><?xml version="1.0" encoding="utf-8"?>
@@ -6653,154 +10311,43 @@
           <a:lstStyle/>
           <a:p>
             <a:r>
-              <a:rPr lang="en-CA" dirty="0"/>
+              <a:rPr lang="en-CA" sz="4000"/>
               <a:t>PROGRESS REPORT</a:t>
             </a:r>
           </a:p>
         </p:txBody>
       </p:sp>
-      <p:sp>
-        <p:nvSpPr>
-          <p:cNvPr id="3" name="Content Placeholder 2">
+      <p:graphicFrame>
+        <p:nvGraphicFramePr>
+          <p:cNvPr id="5" name="Content Placeholder 2">
             <a:extLst>
               <a:ext uri="{FF2B5EF4-FFF2-40B4-BE49-F238E27FC236}">
-                <a16:creationId xmlns:a16="http://schemas.microsoft.com/office/drawing/2014/main" id="{34212EEC-385F-4086-A2E5-008B90FAD0A6}"/>
+                <a16:creationId xmlns:a16="http://schemas.microsoft.com/office/drawing/2014/main" id="{CD296D4D-A2AF-441F-8052-B78F8EBA1325}"/>
               </a:ext>
             </a:extLst>
           </p:cNvPr>
-          <p:cNvSpPr>
-            <a:spLocks noGrp="1"/>
-          </p:cNvSpPr>
+          <p:cNvGraphicFramePr>
+            <a:graphicFrameLocks noGrp="1"/>
+          </p:cNvGraphicFramePr>
           <p:nvPr>
             <p:ph idx="1"/>
-          </p:nvPr>
-        </p:nvSpPr>
-        <p:spPr/>
-        <p:txBody>
-          <a:bodyPr>
-            <a:normAutofit fontScale="77500" lnSpcReduction="20000"/>
-          </a:bodyPr>
-          <a:lstStyle/>
-          <a:p>
-            <a:r>
-              <a:rPr lang="en-CA" dirty="0"/>
-              <a:t>Completed Mechanics</a:t>
-            </a:r>
-          </a:p>
-          <a:p>
-            <a:pPr lvl="1"/>
-            <a:r>
-              <a:rPr lang="en-CA" dirty="0"/>
-              <a:t>Platforming</a:t>
-            </a:r>
-          </a:p>
-          <a:p>
-            <a:pPr lvl="1"/>
-            <a:r>
-              <a:rPr lang="en-CA" dirty="0"/>
-              <a:t>Ladders</a:t>
-            </a:r>
-          </a:p>
-          <a:p>
-            <a:pPr lvl="1"/>
-            <a:r>
-              <a:rPr lang="en-CA" dirty="0"/>
-              <a:t>Iron and Steel Abilities</a:t>
-            </a:r>
-          </a:p>
-          <a:p>
-            <a:pPr lvl="1"/>
-            <a:r>
-              <a:rPr lang="en-CA" dirty="0"/>
-              <a:t>Regular Enemies (Bandits)</a:t>
-            </a:r>
-          </a:p>
-          <a:p>
-            <a:pPr lvl="1"/>
-            <a:r>
-              <a:rPr lang="en-CA" dirty="0"/>
-              <a:t>Combat with Pushing and Pulling</a:t>
-            </a:r>
-          </a:p>
-          <a:p>
-            <a:r>
-              <a:rPr lang="en-CA" dirty="0"/>
-              <a:t>In Progress Mechanics</a:t>
-            </a:r>
-          </a:p>
-          <a:p>
-            <a:pPr lvl="1"/>
-            <a:r>
-              <a:rPr lang="en-CA" dirty="0"/>
-              <a:t>Pewter Ability</a:t>
-            </a:r>
-          </a:p>
-          <a:p>
-            <a:pPr lvl="1"/>
-            <a:r>
-              <a:rPr lang="en-CA" dirty="0"/>
-              <a:t>Sound Design</a:t>
-            </a:r>
-          </a:p>
-          <a:p>
-            <a:r>
-              <a:rPr lang="en-CA" dirty="0"/>
-              <a:t>Mechanics to Complete</a:t>
-            </a:r>
-          </a:p>
-          <a:p>
-            <a:pPr lvl="1"/>
-            <a:r>
-              <a:rPr lang="en-CA" dirty="0"/>
-              <a:t>Ranged Enemy</a:t>
-            </a:r>
-          </a:p>
-          <a:p>
-            <a:pPr lvl="1"/>
-            <a:r>
-              <a:rPr lang="en-CA" dirty="0"/>
-              <a:t>Highlighting </a:t>
-            </a:r>
-            <a:r>
-              <a:rPr lang="en-CA" dirty="0" err="1"/>
-              <a:t>Interactables</a:t>
-            </a:r>
-            <a:endParaRPr lang="en-CA" dirty="0"/>
-          </a:p>
-          <a:p>
-            <a:pPr lvl="1"/>
-            <a:r>
-              <a:rPr lang="en-CA" dirty="0" err="1"/>
-              <a:t>Koloss</a:t>
-            </a:r>
-            <a:r>
-              <a:rPr lang="en-CA" dirty="0"/>
-              <a:t> Enemy</a:t>
-            </a:r>
-          </a:p>
-          <a:p>
-            <a:pPr lvl="1"/>
-            <a:r>
-              <a:rPr lang="en-CA" dirty="0"/>
-              <a:t>Boss Fight</a:t>
-            </a:r>
-          </a:p>
-          <a:p>
-            <a:pPr lvl="1"/>
-            <a:r>
-              <a:rPr lang="en-CA" dirty="0"/>
-              <a:t>Level 2 Layout</a:t>
-            </a:r>
-          </a:p>
-          <a:p>
-            <a:pPr lvl="1"/>
-            <a:r>
-              <a:rPr lang="en-CA" dirty="0"/>
-              <a:t>Boss Level Layout</a:t>
-            </a:r>
-          </a:p>
-        </p:txBody>
-      </p:sp>
+            <p:extLst>
+              <p:ext uri="{D42A27DB-BD31-4B8C-83A1-F6EECF244321}">
+                <p14:modId xmlns:p14="http://schemas.microsoft.com/office/powerpoint/2010/main" val="4278344981"/>
+              </p:ext>
+            </p:extLst>
+          </p:nvPr>
+        </p:nvGraphicFramePr>
+        <p:xfrm>
+          <a:off x="685800" y="2441051"/>
+          <a:ext cx="10820400" cy="3530062"/>
+        </p:xfrm>
+        <a:graphic>
+          <a:graphicData uri="http://schemas.openxmlformats.org/drawingml/2006/diagram">
+            <dgm:relIds xmlns:dgm="http://schemas.openxmlformats.org/drawingml/2006/diagram" xmlns:r="http://schemas.openxmlformats.org/officeDocument/2006/relationships" r:dm="rId2" r:lo="rId3" r:qs="rId4" r:cs="rId5"/>
+          </a:graphicData>
+        </a:graphic>
+      </p:graphicFrame>
     </p:spTree>
     <p:extLst>
       <p:ext uri="{BB962C8B-B14F-4D97-AF65-F5344CB8AC3E}">
@@ -6899,7 +10446,7 @@
           <a:p>
             <a:r>
               <a:rPr lang="en-CA" dirty="0"/>
-              <a:t> Work in parallel to develop Level 2 and Boss Level</a:t>
+              <a:t>Work in parallel to develop Level 2 and Boss Level</a:t>
             </a:r>
           </a:p>
           <a:p>
